--- a/PPT/My Topic CC Fraud cf v1-1 150222.pptx
+++ b/PPT/My Topic CC Fraud cf v1-1 150222.pptx
@@ -5,10 +5,10 @@
     <p:sldMasterId id="2147483648" r:id="rId4"/>
   </p:sldMasterIdLst>
   <p:notesMasterIdLst>
-    <p:notesMasterId r:id="rId15"/>
+    <p:notesMasterId r:id="rId14"/>
   </p:notesMasterIdLst>
   <p:handoutMasterIdLst>
-    <p:handoutMasterId r:id="rId16"/>
+    <p:handoutMasterId r:id="rId15"/>
   </p:handoutMasterIdLst>
   <p:sldIdLst>
     <p:sldId id="256" r:id="rId5"/>
@@ -18,9 +18,8 @@
     <p:sldId id="266" r:id="rId9"/>
     <p:sldId id="268" r:id="rId10"/>
     <p:sldId id="257" r:id="rId11"/>
-    <p:sldId id="271" r:id="rId12"/>
-    <p:sldId id="258" r:id="rId13"/>
-    <p:sldId id="259" r:id="rId14"/>
+    <p:sldId id="273" r:id="rId12"/>
+    <p:sldId id="271" r:id="rId13"/>
   </p:sldIdLst>
   <p:sldSz cx="12192000" cy="6858000"/>
   <p:notesSz cx="6858000" cy="9144000"/>
@@ -141,1085 +140,6 @@
 </p:presentation>
 </file>
 
-<file path=ppt/charts/chart1.xml><?xml version="1.0" encoding="utf-8"?>
-<c:chartSpace xmlns:c="http://schemas.openxmlformats.org/drawingml/2006/chart" xmlns:a="http://schemas.openxmlformats.org/drawingml/2006/main" xmlns:r="http://schemas.openxmlformats.org/officeDocument/2006/relationships" xmlns:c16r2="http://schemas.microsoft.com/office/drawing/2015/06/chart">
-  <c:date1904 val="0"/>
-  <c:lang val="en-US"/>
-  <c:roundedCorners val="0"/>
-  <mc:AlternateContent xmlns:mc="http://schemas.openxmlformats.org/markup-compatibility/2006">
-    <mc:Choice xmlns:c14="http://schemas.microsoft.com/office/drawing/2007/8/2/chart" Requires="c14">
-      <c14:style val="102"/>
-    </mc:Choice>
-    <mc:Fallback>
-      <c:style val="2"/>
-    </mc:Fallback>
-  </mc:AlternateContent>
-  <c:chart>
-    <c:autoTitleDeleted val="1"/>
-    <c:plotArea>
-      <c:layout/>
-      <c:barChart>
-        <c:barDir val="col"/>
-        <c:grouping val="clustered"/>
-        <c:varyColors val="0"/>
-        <c:ser>
-          <c:idx val="0"/>
-          <c:order val="0"/>
-          <c:tx>
-            <c:strRef>
-              <c:f>Sheet1!$B$1</c:f>
-              <c:strCache>
-                <c:ptCount val="1"/>
-                <c:pt idx="0">
-                  <c:v>Series 1</c:v>
-                </c:pt>
-              </c:strCache>
-            </c:strRef>
-          </c:tx>
-          <c:spPr>
-            <a:gradFill rotWithShape="1">
-              <a:gsLst>
-                <a:gs pos="0">
-                  <a:schemeClr val="accent1">
-                    <a:shade val="100000"/>
-                    <a:satMod val="137000"/>
-                  </a:schemeClr>
-                </a:gs>
-                <a:gs pos="71000">
-                  <a:schemeClr val="accent1">
-                    <a:shade val="98000"/>
-                    <a:satMod val="137000"/>
-                  </a:schemeClr>
-                </a:gs>
-                <a:gs pos="100000">
-                  <a:schemeClr val="accent1">
-                    <a:shade val="75000"/>
-                    <a:satMod val="137000"/>
-                  </a:schemeClr>
-                </a:gs>
-              </a:gsLst>
-              <a:path path="rect">
-                <a:fillToRect l="50000" t="50000" r="50000" b="50000"/>
-              </a:path>
-            </a:gradFill>
-            <a:ln>
-              <a:noFill/>
-            </a:ln>
-            <a:effectLst>
-              <a:outerShdw blurRad="39000" dist="25400" dir="5400000" rotWithShape="0">
-                <a:srgbClr val="000000">
-                  <a:alpha val="38000"/>
-                </a:srgbClr>
-              </a:outerShdw>
-            </a:effectLst>
-            <a:scene3d>
-              <a:camera prst="orthographicFront">
-                <a:rot lat="0" lon="0" rev="0"/>
-              </a:camera>
-              <a:lightRig rig="threePt" dir="t">
-                <a:rot lat="0" lon="0" rev="1800000"/>
-              </a:lightRig>
-            </a:scene3d>
-            <a:sp3d prstMaterial="matte">
-              <a:bevelT h="20000"/>
-            </a:sp3d>
-          </c:spPr>
-          <c:invertIfNegative val="0"/>
-          <c:cat>
-            <c:strRef>
-              <c:f>Sheet1!$A$2:$A$5</c:f>
-              <c:strCache>
-                <c:ptCount val="4"/>
-                <c:pt idx="0">
-                  <c:v>Category 1</c:v>
-                </c:pt>
-                <c:pt idx="1">
-                  <c:v>Category 2</c:v>
-                </c:pt>
-                <c:pt idx="2">
-                  <c:v>Category 3</c:v>
-                </c:pt>
-                <c:pt idx="3">
-                  <c:v>Category 4</c:v>
-                </c:pt>
-              </c:strCache>
-            </c:strRef>
-          </c:cat>
-          <c:val>
-            <c:numRef>
-              <c:f>Sheet1!$B$2:$B$5</c:f>
-              <c:numCache>
-                <c:formatCode>General</c:formatCode>
-                <c:ptCount val="4"/>
-                <c:pt idx="0">
-                  <c:v>4.3</c:v>
-                </c:pt>
-                <c:pt idx="1">
-                  <c:v>2.5</c:v>
-                </c:pt>
-                <c:pt idx="2">
-                  <c:v>3.5</c:v>
-                </c:pt>
-                <c:pt idx="3">
-                  <c:v>4.5</c:v>
-                </c:pt>
-              </c:numCache>
-            </c:numRef>
-          </c:val>
-          <c:extLst>
-            <c:ext xmlns:c16="http://schemas.microsoft.com/office/drawing/2014/chart" uri="{C3380CC4-5D6E-409C-BE32-E72D297353CC}">
-              <c16:uniqueId val="{00000000-2572-47D6-91B5-B08EA9A0FA41}"/>
-            </c:ext>
-          </c:extLst>
-        </c:ser>
-        <c:ser>
-          <c:idx val="1"/>
-          <c:order val="1"/>
-          <c:tx>
-            <c:strRef>
-              <c:f>Sheet1!$C$1</c:f>
-              <c:strCache>
-                <c:ptCount val="1"/>
-                <c:pt idx="0">
-                  <c:v>Series 2</c:v>
-                </c:pt>
-              </c:strCache>
-            </c:strRef>
-          </c:tx>
-          <c:spPr>
-            <a:gradFill rotWithShape="1">
-              <a:gsLst>
-                <a:gs pos="0">
-                  <a:schemeClr val="accent2">
-                    <a:shade val="100000"/>
-                    <a:satMod val="137000"/>
-                  </a:schemeClr>
-                </a:gs>
-                <a:gs pos="71000">
-                  <a:schemeClr val="accent2">
-                    <a:shade val="98000"/>
-                    <a:satMod val="137000"/>
-                  </a:schemeClr>
-                </a:gs>
-                <a:gs pos="100000">
-                  <a:schemeClr val="accent2">
-                    <a:shade val="75000"/>
-                    <a:satMod val="137000"/>
-                  </a:schemeClr>
-                </a:gs>
-              </a:gsLst>
-              <a:path path="rect">
-                <a:fillToRect l="50000" t="50000" r="50000" b="50000"/>
-              </a:path>
-            </a:gradFill>
-            <a:ln>
-              <a:noFill/>
-            </a:ln>
-            <a:effectLst>
-              <a:outerShdw blurRad="39000" dist="25400" dir="5400000" rotWithShape="0">
-                <a:srgbClr val="000000">
-                  <a:alpha val="38000"/>
-                </a:srgbClr>
-              </a:outerShdw>
-            </a:effectLst>
-            <a:scene3d>
-              <a:camera prst="orthographicFront">
-                <a:rot lat="0" lon="0" rev="0"/>
-              </a:camera>
-              <a:lightRig rig="threePt" dir="t">
-                <a:rot lat="0" lon="0" rev="1800000"/>
-              </a:lightRig>
-            </a:scene3d>
-            <a:sp3d prstMaterial="matte">
-              <a:bevelT h="20000"/>
-            </a:sp3d>
-          </c:spPr>
-          <c:invertIfNegative val="0"/>
-          <c:cat>
-            <c:strRef>
-              <c:f>Sheet1!$A$2:$A$5</c:f>
-              <c:strCache>
-                <c:ptCount val="4"/>
-                <c:pt idx="0">
-                  <c:v>Category 1</c:v>
-                </c:pt>
-                <c:pt idx="1">
-                  <c:v>Category 2</c:v>
-                </c:pt>
-                <c:pt idx="2">
-                  <c:v>Category 3</c:v>
-                </c:pt>
-                <c:pt idx="3">
-                  <c:v>Category 4</c:v>
-                </c:pt>
-              </c:strCache>
-            </c:strRef>
-          </c:cat>
-          <c:val>
-            <c:numRef>
-              <c:f>Sheet1!$C$2:$C$5</c:f>
-              <c:numCache>
-                <c:formatCode>General</c:formatCode>
-                <c:ptCount val="4"/>
-                <c:pt idx="0">
-                  <c:v>2.4</c:v>
-                </c:pt>
-                <c:pt idx="1">
-                  <c:v>4.4000000000000004</c:v>
-                </c:pt>
-                <c:pt idx="2">
-                  <c:v>1.8</c:v>
-                </c:pt>
-                <c:pt idx="3">
-                  <c:v>2.8</c:v>
-                </c:pt>
-              </c:numCache>
-            </c:numRef>
-          </c:val>
-          <c:extLst>
-            <c:ext xmlns:c16="http://schemas.microsoft.com/office/drawing/2014/chart" uri="{C3380CC4-5D6E-409C-BE32-E72D297353CC}">
-              <c16:uniqueId val="{00000001-2572-47D6-91B5-B08EA9A0FA41}"/>
-            </c:ext>
-          </c:extLst>
-        </c:ser>
-        <c:ser>
-          <c:idx val="2"/>
-          <c:order val="2"/>
-          <c:tx>
-            <c:strRef>
-              <c:f>Sheet1!$D$1</c:f>
-              <c:strCache>
-                <c:ptCount val="1"/>
-                <c:pt idx="0">
-                  <c:v>Series 3</c:v>
-                </c:pt>
-              </c:strCache>
-            </c:strRef>
-          </c:tx>
-          <c:spPr>
-            <a:gradFill rotWithShape="1">
-              <a:gsLst>
-                <a:gs pos="0">
-                  <a:schemeClr val="accent3">
-                    <a:shade val="100000"/>
-                    <a:satMod val="137000"/>
-                  </a:schemeClr>
-                </a:gs>
-                <a:gs pos="71000">
-                  <a:schemeClr val="accent3">
-                    <a:shade val="98000"/>
-                    <a:satMod val="137000"/>
-                  </a:schemeClr>
-                </a:gs>
-                <a:gs pos="100000">
-                  <a:schemeClr val="accent3">
-                    <a:shade val="75000"/>
-                    <a:satMod val="137000"/>
-                  </a:schemeClr>
-                </a:gs>
-              </a:gsLst>
-              <a:path path="rect">
-                <a:fillToRect l="50000" t="50000" r="50000" b="50000"/>
-              </a:path>
-            </a:gradFill>
-            <a:ln>
-              <a:noFill/>
-            </a:ln>
-            <a:effectLst>
-              <a:outerShdw blurRad="39000" dist="25400" dir="5400000" rotWithShape="0">
-                <a:srgbClr val="000000">
-                  <a:alpha val="38000"/>
-                </a:srgbClr>
-              </a:outerShdw>
-            </a:effectLst>
-            <a:scene3d>
-              <a:camera prst="orthographicFront">
-                <a:rot lat="0" lon="0" rev="0"/>
-              </a:camera>
-              <a:lightRig rig="threePt" dir="t">
-                <a:rot lat="0" lon="0" rev="1800000"/>
-              </a:lightRig>
-            </a:scene3d>
-            <a:sp3d prstMaterial="matte">
-              <a:bevelT h="20000"/>
-            </a:sp3d>
-          </c:spPr>
-          <c:invertIfNegative val="0"/>
-          <c:cat>
-            <c:strRef>
-              <c:f>Sheet1!$A$2:$A$5</c:f>
-              <c:strCache>
-                <c:ptCount val="4"/>
-                <c:pt idx="0">
-                  <c:v>Category 1</c:v>
-                </c:pt>
-                <c:pt idx="1">
-                  <c:v>Category 2</c:v>
-                </c:pt>
-                <c:pt idx="2">
-                  <c:v>Category 3</c:v>
-                </c:pt>
-                <c:pt idx="3">
-                  <c:v>Category 4</c:v>
-                </c:pt>
-              </c:strCache>
-            </c:strRef>
-          </c:cat>
-          <c:val>
-            <c:numRef>
-              <c:f>Sheet1!$D$2:$D$5</c:f>
-              <c:numCache>
-                <c:formatCode>General</c:formatCode>
-                <c:ptCount val="4"/>
-                <c:pt idx="0">
-                  <c:v>2</c:v>
-                </c:pt>
-                <c:pt idx="1">
-                  <c:v>2</c:v>
-                </c:pt>
-                <c:pt idx="2">
-                  <c:v>3</c:v>
-                </c:pt>
-                <c:pt idx="3">
-                  <c:v>5</c:v>
-                </c:pt>
-              </c:numCache>
-            </c:numRef>
-          </c:val>
-          <c:extLst>
-            <c:ext xmlns:c16="http://schemas.microsoft.com/office/drawing/2014/chart" uri="{C3380CC4-5D6E-409C-BE32-E72D297353CC}">
-              <c16:uniqueId val="{00000002-2572-47D6-91B5-B08EA9A0FA41}"/>
-            </c:ext>
-          </c:extLst>
-        </c:ser>
-        <c:dLbls>
-          <c:showLegendKey val="0"/>
-          <c:showVal val="0"/>
-          <c:showCatName val="0"/>
-          <c:showSerName val="0"/>
-          <c:showPercent val="0"/>
-          <c:showBubbleSize val="0"/>
-        </c:dLbls>
-        <c:gapWidth val="100"/>
-        <c:overlap val="-24"/>
-        <c:axId val="665025880"/>
-        <c:axId val="665015688"/>
-      </c:barChart>
-      <c:catAx>
-        <c:axId val="665025880"/>
-        <c:scaling>
-          <c:orientation val="minMax"/>
-        </c:scaling>
-        <c:delete val="0"/>
-        <c:axPos val="b"/>
-        <c:numFmt formatCode="General" sourceLinked="1"/>
-        <c:majorTickMark val="none"/>
-        <c:minorTickMark val="none"/>
-        <c:tickLblPos val="nextTo"/>
-        <c:spPr>
-          <a:noFill/>
-          <a:ln w="12700" cap="flat" cmpd="sng" algn="ctr">
-            <a:solidFill>
-              <a:schemeClr val="tx1">
-                <a:lumMod val="15000"/>
-                <a:lumOff val="85000"/>
-              </a:schemeClr>
-            </a:solidFill>
-            <a:round/>
-          </a:ln>
-          <a:effectLst/>
-        </c:spPr>
-        <c:txPr>
-          <a:bodyPr rot="-60000000" spcFirstLastPara="1" vertOverflow="ellipsis" vert="horz" wrap="square" anchor="ctr" anchorCtr="1"/>
-          <a:lstStyle/>
-          <a:p>
-            <a:pPr>
-              <a:defRPr sz="1197" b="0" i="0" u="none" strike="noStrike" kern="1200" baseline="0">
-                <a:solidFill>
-                  <a:schemeClr val="tx1">
-                    <a:lumMod val="65000"/>
-                    <a:lumOff val="35000"/>
-                  </a:schemeClr>
-                </a:solidFill>
-                <a:latin typeface="+mn-lt"/>
-                <a:ea typeface="+mn-ea"/>
-                <a:cs typeface="+mn-cs"/>
-              </a:defRPr>
-            </a:pPr>
-            <a:endParaRPr lang="en-US"/>
-          </a:p>
-        </c:txPr>
-        <c:crossAx val="665015688"/>
-        <c:crosses val="autoZero"/>
-        <c:auto val="1"/>
-        <c:lblAlgn val="ctr"/>
-        <c:lblOffset val="100"/>
-        <c:noMultiLvlLbl val="0"/>
-      </c:catAx>
-      <c:valAx>
-        <c:axId val="665015688"/>
-        <c:scaling>
-          <c:orientation val="minMax"/>
-        </c:scaling>
-        <c:delete val="0"/>
-        <c:axPos val="l"/>
-        <c:majorGridlines>
-          <c:spPr>
-            <a:ln w="9525" cap="flat" cmpd="sng" algn="ctr">
-              <a:solidFill>
-                <a:schemeClr val="tx1">
-                  <a:lumMod val="15000"/>
-                  <a:lumOff val="85000"/>
-                </a:schemeClr>
-              </a:solidFill>
-              <a:round/>
-            </a:ln>
-            <a:effectLst/>
-          </c:spPr>
-        </c:majorGridlines>
-        <c:numFmt formatCode="General" sourceLinked="1"/>
-        <c:majorTickMark val="none"/>
-        <c:minorTickMark val="none"/>
-        <c:tickLblPos val="nextTo"/>
-        <c:spPr>
-          <a:noFill/>
-          <a:ln>
-            <a:noFill/>
-          </a:ln>
-          <a:effectLst/>
-        </c:spPr>
-        <c:txPr>
-          <a:bodyPr rot="-60000000" spcFirstLastPara="1" vertOverflow="ellipsis" vert="horz" wrap="square" anchor="ctr" anchorCtr="1"/>
-          <a:lstStyle/>
-          <a:p>
-            <a:pPr>
-              <a:defRPr sz="1197" b="0" i="0" u="none" strike="noStrike" kern="1200" baseline="0">
-                <a:solidFill>
-                  <a:schemeClr val="tx1">
-                    <a:lumMod val="65000"/>
-                    <a:lumOff val="35000"/>
-                  </a:schemeClr>
-                </a:solidFill>
-                <a:latin typeface="+mn-lt"/>
-                <a:ea typeface="+mn-ea"/>
-                <a:cs typeface="+mn-cs"/>
-              </a:defRPr>
-            </a:pPr>
-            <a:endParaRPr lang="en-US"/>
-          </a:p>
-        </c:txPr>
-        <c:crossAx val="665025880"/>
-        <c:crosses val="autoZero"/>
-        <c:crossBetween val="between"/>
-      </c:valAx>
-      <c:spPr>
-        <a:noFill/>
-        <a:ln>
-          <a:noFill/>
-        </a:ln>
-        <a:effectLst/>
-      </c:spPr>
-    </c:plotArea>
-    <c:legend>
-      <c:legendPos val="b"/>
-      <c:overlay val="0"/>
-      <c:spPr>
-        <a:noFill/>
-        <a:ln>
-          <a:noFill/>
-        </a:ln>
-        <a:effectLst/>
-      </c:spPr>
-      <c:txPr>
-        <a:bodyPr rot="0" spcFirstLastPara="1" vertOverflow="ellipsis" vert="horz" wrap="square" anchor="ctr" anchorCtr="1"/>
-        <a:lstStyle/>
-        <a:p>
-          <a:pPr>
-            <a:defRPr sz="1197" b="0" i="0" u="none" strike="noStrike" kern="1200" baseline="0">
-              <a:solidFill>
-                <a:schemeClr val="tx1">
-                  <a:lumMod val="65000"/>
-                  <a:lumOff val="35000"/>
-                </a:schemeClr>
-              </a:solidFill>
-              <a:latin typeface="+mn-lt"/>
-              <a:ea typeface="+mn-ea"/>
-              <a:cs typeface="+mn-cs"/>
-            </a:defRPr>
-          </a:pPr>
-          <a:endParaRPr lang="en-US"/>
-        </a:p>
-      </c:txPr>
-    </c:legend>
-    <c:plotVisOnly val="1"/>
-    <c:dispBlanksAs val="gap"/>
-    <c:showDLblsOverMax val="0"/>
-  </c:chart>
-  <c:spPr>
-    <a:noFill/>
-    <a:ln>
-      <a:noFill/>
-    </a:ln>
-    <a:effectLst/>
-  </c:spPr>
-  <c:txPr>
-    <a:bodyPr/>
-    <a:lstStyle/>
-    <a:p>
-      <a:pPr>
-        <a:defRPr/>
-      </a:pPr>
-      <a:endParaRPr lang="en-US"/>
-    </a:p>
-  </c:txPr>
-  <c:externalData r:id="rId3">
-    <c:autoUpdate val="0"/>
-  </c:externalData>
-</c:chartSpace>
-</file>
-
-<file path=ppt/charts/colors1.xml><?xml version="1.0" encoding="utf-8"?>
-<cs:colorStyle xmlns:cs="http://schemas.microsoft.com/office/drawing/2012/chartStyle" xmlns:a="http://schemas.openxmlformats.org/drawingml/2006/main" meth="cycle" id="10">
-  <a:schemeClr val="accent1"/>
-  <a:schemeClr val="accent2"/>
-  <a:schemeClr val="accent3"/>
-  <a:schemeClr val="accent4"/>
-  <a:schemeClr val="accent5"/>
-  <a:schemeClr val="accent6"/>
-  <cs:variation/>
-  <cs:variation>
-    <a:lumMod val="60000"/>
-  </cs:variation>
-  <cs:variation>
-    <a:lumMod val="80000"/>
-    <a:lumOff val="20000"/>
-  </cs:variation>
-  <cs:variation>
-    <a:lumMod val="80000"/>
-  </cs:variation>
-  <cs:variation>
-    <a:lumMod val="60000"/>
-    <a:lumOff val="40000"/>
-  </cs:variation>
-  <cs:variation>
-    <a:lumMod val="50000"/>
-  </cs:variation>
-  <cs:variation>
-    <a:lumMod val="70000"/>
-    <a:lumOff val="30000"/>
-  </cs:variation>
-  <cs:variation>
-    <a:lumMod val="70000"/>
-  </cs:variation>
-  <cs:variation>
-    <a:lumMod val="50000"/>
-    <a:lumOff val="50000"/>
-  </cs:variation>
-</cs:colorStyle>
-</file>
-
-<file path=ppt/charts/style1.xml><?xml version="1.0" encoding="utf-8"?>
-<cs:chartStyle xmlns:cs="http://schemas.microsoft.com/office/drawing/2012/chartStyle" xmlns:a="http://schemas.openxmlformats.org/drawingml/2006/main" id="340">
-  <cs:axisTitle>
-    <cs:lnRef idx="0"/>
-    <cs:fillRef idx="0"/>
-    <cs:effectRef idx="0"/>
-    <cs:fontRef idx="minor">
-      <a:schemeClr val="tx1">
-        <a:lumMod val="65000"/>
-        <a:lumOff val="35000"/>
-      </a:schemeClr>
-    </cs:fontRef>
-    <cs:defRPr sz="1197" kern="1200"/>
-  </cs:axisTitle>
-  <cs:categoryAxis>
-    <cs:lnRef idx="0"/>
-    <cs:fillRef idx="0"/>
-    <cs:effectRef idx="0"/>
-    <cs:fontRef idx="minor">
-      <a:schemeClr val="tx1">
-        <a:lumMod val="65000"/>
-        <a:lumOff val="35000"/>
-      </a:schemeClr>
-    </cs:fontRef>
-    <cs:spPr>
-      <a:ln w="12700" cap="flat" cmpd="sng" algn="ctr">
-        <a:solidFill>
-          <a:schemeClr val="tx1">
-            <a:lumMod val="15000"/>
-            <a:lumOff val="85000"/>
-          </a:schemeClr>
-        </a:solidFill>
-        <a:round/>
-      </a:ln>
-    </cs:spPr>
-    <cs:defRPr sz="1197" kern="1200"/>
-  </cs:categoryAxis>
-  <cs:chartArea mods="allowNoFillOverride allowNoLineOverride">
-    <cs:lnRef idx="0"/>
-    <cs:fillRef idx="0"/>
-    <cs:effectRef idx="0"/>
-    <cs:fontRef idx="minor">
-      <a:schemeClr val="tx2"/>
-    </cs:fontRef>
-    <cs:spPr>
-      <a:solidFill>
-        <a:schemeClr val="bg1"/>
-      </a:solidFill>
-      <a:ln w="9525" cap="flat" cmpd="sng" algn="ctr">
-        <a:solidFill>
-          <a:schemeClr val="tx1">
-            <a:lumMod val="15000"/>
-            <a:lumOff val="85000"/>
-          </a:schemeClr>
-        </a:solidFill>
-        <a:round/>
-      </a:ln>
-    </cs:spPr>
-    <cs:defRPr sz="1197" kern="1200"/>
-  </cs:chartArea>
-  <cs:dataLabel>
-    <cs:lnRef idx="0"/>
-    <cs:fillRef idx="0"/>
-    <cs:effectRef idx="0"/>
-    <cs:fontRef idx="minor">
-      <a:schemeClr val="tx1">
-        <a:lumMod val="75000"/>
-        <a:lumOff val="25000"/>
-      </a:schemeClr>
-    </cs:fontRef>
-    <cs:defRPr sz="1197" kern="1200"/>
-  </cs:dataLabel>
-  <cs:dataLabelCallout>
-    <cs:lnRef idx="0"/>
-    <cs:fillRef idx="0"/>
-    <cs:effectRef idx="0"/>
-    <cs:fontRef idx="minor">
-      <a:schemeClr val="dk1">
-        <a:lumMod val="65000"/>
-        <a:lumOff val="35000"/>
-      </a:schemeClr>
-    </cs:fontRef>
-    <cs:spPr>
-      <a:solidFill>
-        <a:schemeClr val="lt1"/>
-      </a:solidFill>
-      <a:ln>
-        <a:solidFill>
-          <a:schemeClr val="dk1">
-            <a:lumMod val="25000"/>
-            <a:lumOff val="75000"/>
-          </a:schemeClr>
-        </a:solidFill>
-      </a:ln>
-    </cs:spPr>
-    <cs:defRPr sz="1197" kern="1200"/>
-    <cs:bodyPr rot="0" spcFirstLastPara="1" vertOverflow="clip" horzOverflow="clip" vert="horz" wrap="square" lIns="36576" tIns="18288" rIns="36576" bIns="18288" anchor="ctr" anchorCtr="1">
-      <a:spAutoFit/>
-    </cs:bodyPr>
-  </cs:dataLabelCallout>
-  <cs:dataPoint>
-    <cs:lnRef idx="0"/>
-    <cs:fillRef idx="3">
-      <cs:styleClr val="auto"/>
-    </cs:fillRef>
-    <cs:effectRef idx="3"/>
-    <cs:fontRef idx="minor">
-      <a:schemeClr val="lt1"/>
-    </cs:fontRef>
-  </cs:dataPoint>
-  <cs:dataPoint3D>
-    <cs:lnRef idx="0"/>
-    <cs:fillRef idx="3">
-      <cs:styleClr val="auto"/>
-    </cs:fillRef>
-    <cs:effectRef idx="3"/>
-    <cs:fontRef idx="minor">
-      <a:schemeClr val="lt1"/>
-    </cs:fontRef>
-  </cs:dataPoint3D>
-  <cs:dataPointLine>
-    <cs:lnRef idx="0">
-      <cs:styleClr val="auto"/>
-    </cs:lnRef>
-    <cs:fillRef idx="3"/>
-    <cs:effectRef idx="3"/>
-    <cs:fontRef idx="minor">
-      <a:schemeClr val="lt1"/>
-    </cs:fontRef>
-    <cs:spPr>
-      <a:ln w="34925" cap="rnd">
-        <a:solidFill>
-          <a:schemeClr val="phClr"/>
-        </a:solidFill>
-        <a:round/>
-      </a:ln>
-    </cs:spPr>
-  </cs:dataPointLine>
-  <cs:dataPointMarker>
-    <cs:lnRef idx="0">
-      <cs:styleClr val="auto"/>
-    </cs:lnRef>
-    <cs:fillRef idx="3">
-      <cs:styleClr val="auto"/>
-    </cs:fillRef>
-    <cs:effectRef idx="3"/>
-    <cs:fontRef idx="minor">
-      <a:schemeClr val="lt1"/>
-    </cs:fontRef>
-    <cs:spPr>
-      <a:ln w="9525">
-        <a:solidFill>
-          <a:schemeClr val="phClr"/>
-        </a:solidFill>
-        <a:round/>
-      </a:ln>
-    </cs:spPr>
-  </cs:dataPointMarker>
-  <cs:dataPointMarkerLayout symbol="circle" size="6"/>
-  <cs:dataPointWireframe>
-    <cs:lnRef idx="0">
-      <cs:styleClr val="auto"/>
-    </cs:lnRef>
-    <cs:fillRef idx="3"/>
-    <cs:effectRef idx="3"/>
-    <cs:fontRef idx="minor">
-      <a:schemeClr val="lt1"/>
-    </cs:fontRef>
-    <cs:spPr>
-      <a:ln w="9525" cap="rnd">
-        <a:solidFill>
-          <a:schemeClr val="phClr"/>
-        </a:solidFill>
-        <a:round/>
-      </a:ln>
-    </cs:spPr>
-  </cs:dataPointWireframe>
-  <cs:dataTable>
-    <cs:lnRef idx="0"/>
-    <cs:fillRef idx="0"/>
-    <cs:effectRef idx="0"/>
-    <cs:fontRef idx="minor">
-      <a:schemeClr val="tx1">
-        <a:lumMod val="65000"/>
-        <a:lumOff val="35000"/>
-      </a:schemeClr>
-    </cs:fontRef>
-    <cs:spPr>
-      <a:noFill/>
-      <a:ln w="9525" cap="flat" cmpd="sng" algn="ctr">
-        <a:solidFill>
-          <a:schemeClr val="tx1">
-            <a:lumMod val="15000"/>
-            <a:lumOff val="85000"/>
-          </a:schemeClr>
-        </a:solidFill>
-        <a:round/>
-      </a:ln>
-    </cs:spPr>
-    <cs:defRPr sz="1197" kern="1200"/>
-  </cs:dataTable>
-  <cs:downBar>
-    <cs:lnRef idx="0"/>
-    <cs:fillRef idx="0"/>
-    <cs:effectRef idx="0"/>
-    <cs:fontRef idx="minor">
-      <a:schemeClr val="dk1"/>
-    </cs:fontRef>
-    <cs:spPr>
-      <a:solidFill>
-        <a:schemeClr val="dk1">
-          <a:lumMod val="65000"/>
-          <a:lumOff val="35000"/>
-        </a:schemeClr>
-      </a:solidFill>
-      <a:ln w="9525">
-        <a:solidFill>
-          <a:schemeClr val="tx1">
-            <a:lumMod val="65000"/>
-            <a:lumOff val="35000"/>
-          </a:schemeClr>
-        </a:solidFill>
-      </a:ln>
-    </cs:spPr>
-  </cs:downBar>
-  <cs:dropLine>
-    <cs:lnRef idx="0"/>
-    <cs:fillRef idx="0"/>
-    <cs:effectRef idx="0"/>
-    <cs:fontRef idx="minor">
-      <a:schemeClr val="tx1"/>
-    </cs:fontRef>
-    <cs:spPr>
-      <a:ln w="9525" cap="flat" cmpd="sng" algn="ctr">
-        <a:solidFill>
-          <a:schemeClr val="tx1">
-            <a:lumMod val="35000"/>
-            <a:lumOff val="65000"/>
-          </a:schemeClr>
-        </a:solidFill>
-        <a:round/>
-      </a:ln>
-    </cs:spPr>
-  </cs:dropLine>
-  <cs:errorBar>
-    <cs:lnRef idx="0"/>
-    <cs:fillRef idx="0"/>
-    <cs:effectRef idx="0"/>
-    <cs:fontRef idx="minor">
-      <a:schemeClr val="tx1"/>
-    </cs:fontRef>
-    <cs:spPr>
-      <a:ln w="9525" cap="flat" cmpd="sng" algn="ctr">
-        <a:solidFill>
-          <a:schemeClr val="tx1">
-            <a:lumMod val="65000"/>
-            <a:lumOff val="35000"/>
-          </a:schemeClr>
-        </a:solidFill>
-        <a:round/>
-      </a:ln>
-    </cs:spPr>
-  </cs:errorBar>
-  <cs:floor>
-    <cs:lnRef idx="0"/>
-    <cs:fillRef idx="0"/>
-    <cs:effectRef idx="0"/>
-    <cs:fontRef idx="minor">
-      <a:schemeClr val="lt1"/>
-    </cs:fontRef>
-  </cs:floor>
-  <cs:gridlineMajor>
-    <cs:lnRef idx="0"/>
-    <cs:fillRef idx="0"/>
-    <cs:effectRef idx="0"/>
-    <cs:fontRef idx="minor">
-      <a:schemeClr val="tx1"/>
-    </cs:fontRef>
-    <cs:spPr>
-      <a:ln w="9525" cap="flat" cmpd="sng" algn="ctr">
-        <a:solidFill>
-          <a:schemeClr val="tx1">
-            <a:lumMod val="15000"/>
-            <a:lumOff val="85000"/>
-          </a:schemeClr>
-        </a:solidFill>
-        <a:round/>
-      </a:ln>
-    </cs:spPr>
-  </cs:gridlineMajor>
-  <cs:gridlineMinor>
-    <cs:lnRef idx="0"/>
-    <cs:fillRef idx="0"/>
-    <cs:effectRef idx="0"/>
-    <cs:fontRef idx="minor">
-      <a:schemeClr val="tx1"/>
-    </cs:fontRef>
-    <cs:spPr>
-      <a:ln w="9525" cap="flat" cmpd="sng" algn="ctr">
-        <a:solidFill>
-          <a:schemeClr val="tx1">
-            <a:lumMod val="5000"/>
-            <a:lumOff val="95000"/>
-          </a:schemeClr>
-        </a:solidFill>
-        <a:round/>
-      </a:ln>
-    </cs:spPr>
-  </cs:gridlineMinor>
-  <cs:hiLoLine>
-    <cs:lnRef idx="0"/>
-    <cs:fillRef idx="0"/>
-    <cs:effectRef idx="0"/>
-    <cs:fontRef idx="minor">
-      <a:schemeClr val="tx1"/>
-    </cs:fontRef>
-    <cs:spPr>
-      <a:ln w="9525" cap="flat" cmpd="sng" algn="ctr">
-        <a:solidFill>
-          <a:schemeClr val="tx1">
-            <a:lumMod val="75000"/>
-            <a:lumOff val="25000"/>
-          </a:schemeClr>
-        </a:solidFill>
-        <a:round/>
-      </a:ln>
-    </cs:spPr>
-  </cs:hiLoLine>
-  <cs:leaderLine>
-    <cs:lnRef idx="0"/>
-    <cs:fillRef idx="0"/>
-    <cs:effectRef idx="0"/>
-    <cs:fontRef idx="minor">
-      <a:schemeClr val="tx1"/>
-    </cs:fontRef>
-    <cs:spPr>
-      <a:ln w="9525" cap="flat" cmpd="sng" algn="ctr">
-        <a:solidFill>
-          <a:schemeClr val="tx1">
-            <a:lumMod val="35000"/>
-            <a:lumOff val="65000"/>
-          </a:schemeClr>
-        </a:solidFill>
-        <a:round/>
-      </a:ln>
-    </cs:spPr>
-  </cs:leaderLine>
-  <cs:legend>
-    <cs:lnRef idx="0"/>
-    <cs:fillRef idx="0"/>
-    <cs:effectRef idx="0"/>
-    <cs:fontRef idx="minor">
-      <a:schemeClr val="tx1">
-        <a:lumMod val="65000"/>
-        <a:lumOff val="35000"/>
-      </a:schemeClr>
-    </cs:fontRef>
-    <cs:defRPr sz="1197" kern="1200"/>
-  </cs:legend>
-  <cs:plotArea>
-    <cs:lnRef idx="0"/>
-    <cs:fillRef idx="0"/>
-    <cs:effectRef idx="0"/>
-    <cs:fontRef idx="minor">
-      <a:schemeClr val="lt1"/>
-    </cs:fontRef>
-  </cs:plotArea>
-  <cs:plotArea3D>
-    <cs:lnRef idx="0"/>
-    <cs:fillRef idx="0"/>
-    <cs:effectRef idx="0"/>
-    <cs:fontRef idx="minor">
-      <a:schemeClr val="lt1"/>
-    </cs:fontRef>
-  </cs:plotArea3D>
-  <cs:seriesAxis>
-    <cs:lnRef idx="0"/>
-    <cs:fillRef idx="0"/>
-    <cs:effectRef idx="0"/>
-    <cs:fontRef idx="minor">
-      <a:schemeClr val="tx1">
-        <a:lumMod val="65000"/>
-        <a:lumOff val="35000"/>
-      </a:schemeClr>
-    </cs:fontRef>
-    <cs:spPr>
-      <a:ln w="12700" cap="flat" cmpd="sng" algn="ctr">
-        <a:solidFill>
-          <a:schemeClr val="tx1">
-            <a:lumMod val="15000"/>
-            <a:lumOff val="85000"/>
-          </a:schemeClr>
-        </a:solidFill>
-        <a:round/>
-      </a:ln>
-    </cs:spPr>
-    <cs:defRPr sz="1197" kern="1200"/>
-  </cs:seriesAxis>
-  <cs:seriesLine>
-    <cs:lnRef idx="0"/>
-    <cs:fillRef idx="0"/>
-    <cs:effectRef idx="0"/>
-    <cs:fontRef idx="minor">
-      <a:schemeClr val="tx1"/>
-    </cs:fontRef>
-    <cs:spPr>
-      <a:ln w="9525" cap="flat" cmpd="sng" algn="ctr">
-        <a:solidFill>
-          <a:schemeClr val="tx1">
-            <a:lumMod val="35000"/>
-            <a:lumOff val="65000"/>
-          </a:schemeClr>
-        </a:solidFill>
-        <a:round/>
-      </a:ln>
-    </cs:spPr>
-  </cs:seriesLine>
-  <cs:title>
-    <cs:lnRef idx="0"/>
-    <cs:fillRef idx="0"/>
-    <cs:effectRef idx="0"/>
-    <cs:fontRef idx="minor">
-      <a:schemeClr val="tx1">
-        <a:lumMod val="65000"/>
-        <a:lumOff val="35000"/>
-      </a:schemeClr>
-    </cs:fontRef>
-    <cs:defRPr sz="2128" b="1" kern="1200" baseline="0"/>
-  </cs:title>
-  <cs:trendline>
-    <cs:lnRef idx="0">
-      <cs:styleClr val="auto"/>
-    </cs:lnRef>
-    <cs:fillRef idx="0"/>
-    <cs:effectRef idx="0"/>
-    <cs:fontRef idx="minor">
-      <a:schemeClr val="lt1"/>
-    </cs:fontRef>
-    <cs:spPr>
-      <a:ln w="19050" cap="rnd">
-        <a:solidFill>
-          <a:schemeClr val="phClr"/>
-        </a:solidFill>
-      </a:ln>
-    </cs:spPr>
-  </cs:trendline>
-  <cs:trendlineLabel>
-    <cs:lnRef idx="0"/>
-    <cs:fillRef idx="0"/>
-    <cs:effectRef idx="0"/>
-    <cs:fontRef idx="minor">
-      <a:schemeClr val="tx1">
-        <a:lumMod val="65000"/>
-        <a:lumOff val="35000"/>
-      </a:schemeClr>
-    </cs:fontRef>
-    <cs:defRPr sz="1197" kern="1200"/>
-  </cs:trendlineLabel>
-  <cs:upBar>
-    <cs:lnRef idx="0"/>
-    <cs:fillRef idx="0"/>
-    <cs:effectRef idx="0"/>
-    <cs:fontRef idx="minor">
-      <a:schemeClr val="dk1"/>
-    </cs:fontRef>
-    <cs:spPr>
-      <a:solidFill>
-        <a:schemeClr val="lt1"/>
-      </a:solidFill>
-      <a:ln w="9525">
-        <a:solidFill>
-          <a:schemeClr val="tx1">
-            <a:lumMod val="15000"/>
-            <a:lumOff val="85000"/>
-          </a:schemeClr>
-        </a:solidFill>
-      </a:ln>
-    </cs:spPr>
-  </cs:upBar>
-  <cs:valueAxis>
-    <cs:lnRef idx="0"/>
-    <cs:fillRef idx="0"/>
-    <cs:effectRef idx="0"/>
-    <cs:fontRef idx="minor">
-      <a:schemeClr val="tx1">
-        <a:lumMod val="65000"/>
-        <a:lumOff val="35000"/>
-      </a:schemeClr>
-    </cs:fontRef>
-    <cs:defRPr sz="1197" kern="1200"/>
-  </cs:valueAxis>
-  <cs:wall>
-    <cs:lnRef idx="0"/>
-    <cs:fillRef idx="0"/>
-    <cs:effectRef idx="0"/>
-    <cs:fontRef idx="minor">
-      <a:schemeClr val="lt1"/>
-    </cs:fontRef>
-  </cs:wall>
-</cs:chartStyle>
-</file>
-
 <file path=ppt/diagrams/colors1.xml><?xml version="1.0" encoding="utf-8"?>
 <dgm:colorsDef xmlns:dgm="http://schemas.openxmlformats.org/drawingml/2006/diagram" xmlns:a="http://schemas.openxmlformats.org/drawingml/2006/main" uniqueId="urn:microsoft.com/office/officeart/2005/8/colors/accent1_2">
   <dgm:title val=""/>
@@ -2810,7 +1730,7 @@
         <a:p>
           <a:r>
             <a:rPr lang="en-US" sz="1250" dirty="0"/>
-            <a:t>Research works with datasets of known fraud and non-fraud.</a:t>
+            <a:t>This research works with datasets of known fraud and non-fraud.</a:t>
           </a:r>
         </a:p>
       </dgm:t>
@@ -3025,6 +1945,9 @@
         <a:bodyPr/>
         <a:lstStyle/>
         <a:p>
+          <a:endParaRPr lang="en-US" sz="1250" dirty="0"/>
+        </a:p>
+        <a:p>
           <a:r>
             <a:rPr lang="en-US" sz="1250" dirty="0"/>
             <a:t>Credit card transactions for a domain/period are collated and studies to find Fraud patterns.</a:t>
@@ -3243,7 +2166,7 @@
         <a:p>
           <a:r>
             <a:rPr lang="en-US" sz="1250" dirty="0"/>
-            <a:t>Data scientists iterate through multiple clearly defined experiments, using different algorithms and parameters to assess accuracy.</a:t>
+            <a:t>Data scientists iterate through multiple clearly defined ML experiments, using different algorithms and parameters to assess accuracy.</a:t>
           </a:r>
         </a:p>
       </dgm:t>
@@ -3277,6 +2200,9 @@
         <a:bodyPr/>
         <a:lstStyle/>
         <a:p>
+          <a:endParaRPr lang="en-US" sz="1250" b="1" dirty="0"/>
+        </a:p>
+        <a:p>
           <a:r>
             <a:rPr lang="en-US" sz="1250" b="1" dirty="0"/>
             <a:t>INDUCTIVE</a:t>
@@ -3364,7 +2290,7 @@
       <dgm:spPr/>
     </dgm:pt>
     <dgm:pt modelId="{1877502C-A892-4DC0-ADA6-FA065097BB90}" type="pres">
-      <dgm:prSet presAssocID="{7CB6360B-4022-4E96-922B-A12DE0E2A39F}" presName="child" presStyleLbl="bgAccFollowNode1" presStyleIdx="2" presStyleCnt="13" custLinFactNeighborY="-2559"/>
+      <dgm:prSet presAssocID="{7CB6360B-4022-4E96-922B-A12DE0E2A39F}" presName="child" presStyleLbl="bgAccFollowNode1" presStyleIdx="2" presStyleCnt="13" custScaleY="75408" custLinFactNeighborY="-2559"/>
       <dgm:spPr/>
     </dgm:pt>
     <dgm:pt modelId="{D685DD23-B321-4B5E-842F-394CB33239FA}" type="pres">
@@ -3380,7 +2306,7 @@
       <dgm:spPr/>
     </dgm:pt>
     <dgm:pt modelId="{51F68A05-A560-4C6F-BC90-521AEF3B0907}" type="pres">
-      <dgm:prSet presAssocID="{70879558-61CA-4CCD-B2D6-5349B01EF337}" presName="child" presStyleLbl="bgAccFollowNode1" presStyleIdx="3" presStyleCnt="13" custLinFactNeighborY="-2559"/>
+      <dgm:prSet presAssocID="{70879558-61CA-4CCD-B2D6-5349B01EF337}" presName="child" presStyleLbl="bgAccFollowNode1" presStyleIdx="3" presStyleCnt="13" custScaleY="75081" custLinFactNeighborY="-2559"/>
       <dgm:spPr/>
     </dgm:pt>
     <dgm:pt modelId="{3EBE42F0-6491-49CC-95DC-985BA00CD458}" type="pres">
@@ -3436,7 +2362,7 @@
       <dgm:spPr/>
     </dgm:pt>
     <dgm:pt modelId="{614EBA0E-D12B-447E-B378-B0FA2DEBEA2F}" type="pres">
-      <dgm:prSet presAssocID="{29E78340-8EBE-415C-B973-78A91A054B9C}" presName="child" presStyleLbl="bgAccFollowNode1" presStyleIdx="5" presStyleCnt="13" custLinFactNeighborY="-2559"/>
+      <dgm:prSet presAssocID="{29E78340-8EBE-415C-B973-78A91A054B9C}" presName="child" presStyleLbl="bgAccFollowNode1" presStyleIdx="5" presStyleCnt="13" custScaleY="109311" custLinFactNeighborY="-2559"/>
       <dgm:spPr/>
     </dgm:pt>
     <dgm:pt modelId="{B12AEB83-0A64-4B36-BF01-B2F834861BAA}" type="pres">
@@ -3452,7 +2378,7 @@
       <dgm:spPr/>
     </dgm:pt>
     <dgm:pt modelId="{972A10CF-0115-4D4B-B023-6D68DDF4DE3D}" type="pres">
-      <dgm:prSet presAssocID="{4ECF27EC-0F57-4ACF-A31E-818259890891}" presName="child" presStyleLbl="bgAccFollowNode1" presStyleIdx="6" presStyleCnt="13" custScaleY="49691" custLinFactNeighborY="-2163"/>
+      <dgm:prSet presAssocID="{4ECF27EC-0F57-4ACF-A31E-818259890891}" presName="child" presStyleLbl="bgAccFollowNode1" presStyleIdx="6" presStyleCnt="13" custScaleY="34619" custLinFactNeighborY="-2163"/>
       <dgm:spPr/>
     </dgm:pt>
     <dgm:pt modelId="{8094756E-42CD-4043-BED0-73C5C56A484B}" type="pres">
@@ -3468,7 +2394,7 @@
       <dgm:spPr/>
     </dgm:pt>
     <dgm:pt modelId="{68509703-D239-4E1B-8CF0-EF08079E1226}" type="pres">
-      <dgm:prSet presAssocID="{8321AB85-EA8C-4958-B404-B4C118CB3C18}" presName="child" presStyleLbl="bgAccFollowNode1" presStyleIdx="7" presStyleCnt="13" custLinFactNeighborY="-2559"/>
+      <dgm:prSet presAssocID="{8321AB85-EA8C-4958-B404-B4C118CB3C18}" presName="child" presStyleLbl="bgAccFollowNode1" presStyleIdx="7" presStyleCnt="13" custScaleY="67389" custLinFactNeighborY="-2559"/>
       <dgm:spPr/>
     </dgm:pt>
     <dgm:pt modelId="{E1767793-EDD5-4203-A612-8120A71CA906}" type="pres">
@@ -3484,7 +2410,7 @@
       <dgm:spPr/>
     </dgm:pt>
     <dgm:pt modelId="{C2FA5ED9-6193-4272-AE12-125169DCCBBD}" type="pres">
-      <dgm:prSet presAssocID="{26D93F56-AD64-459D-A454-2E847E0AE5AD}" presName="child" presStyleLbl="bgAccFollowNode1" presStyleIdx="8" presStyleCnt="13" custScaleY="124021" custLinFactNeighborY="-2559"/>
+      <dgm:prSet presAssocID="{26D93F56-AD64-459D-A454-2E847E0AE5AD}" presName="child" presStyleLbl="bgAccFollowNode1" presStyleIdx="8" presStyleCnt="13" custScaleY="79078" custLinFactNeighborX="0" custLinFactNeighborY="-2154"/>
       <dgm:spPr/>
     </dgm:pt>
     <dgm:pt modelId="{C502B76B-48AF-469D-B6AC-E487DC04AD5E}" type="pres">
@@ -3556,7 +2482,7 @@
       <dgm:spPr/>
     </dgm:pt>
     <dgm:pt modelId="{2C25B9A8-296C-4B38-B2D5-77934B9B3D6F}" type="pres">
-      <dgm:prSet presAssocID="{870940FE-9B2D-48B5-BF1C-26D4B6CE9EA3}" presName="child" presStyleLbl="bgAccFollowNode1" presStyleIdx="11" presStyleCnt="13" custScaleY="53039"/>
+      <dgm:prSet presAssocID="{870940FE-9B2D-48B5-BF1C-26D4B6CE9EA3}" presName="child" presStyleLbl="bgAccFollowNode1" presStyleIdx="11" presStyleCnt="13" custScaleY="28499"/>
       <dgm:spPr/>
     </dgm:pt>
     <dgm:pt modelId="{AC6748CF-2E6E-4F6D-AD83-272912B7C127}" type="pres">
@@ -3802,7 +2728,7 @@
         <a:p>
           <a:r>
             <a:rPr lang="en-US" sz="1250" dirty="0"/>
-            <a:t>The financial transaction data used in Fraud research is a collection of statistical features.</a:t>
+            <a:t>The financial transaction data used in Fraud research is a collection of statistical (numerical) features.</a:t>
           </a:r>
         </a:p>
       </dgm:t>
@@ -3838,15 +2764,7 @@
         <a:p>
           <a:r>
             <a:rPr lang="en-US" sz="1250" dirty="0"/>
-            <a:t>When categorical descriptions are captured, they are usually converted </a:t>
-          </a:r>
-          <a:r>
-            <a:rPr lang="en-US" sz="1250" dirty="0" err="1"/>
-            <a:t>ti</a:t>
-          </a:r>
-          <a:r>
-            <a:rPr lang="en-US" sz="1250" dirty="0"/>
-            <a:t> numerical values.</a:t>
+            <a:t>When categorical descriptions are captured, they are usually converted to numerical values.</a:t>
           </a:r>
         </a:p>
       </dgm:t>
@@ -3882,7 +2800,7 @@
         <a:p>
           <a:r>
             <a:rPr lang="en-US" sz="1250" dirty="0"/>
-            <a:t>General text narratives on the transaction are not processed by Classification algorithms.</a:t>
+            <a:t>General text narratives on the transactions are not processed by ML Classification algorithms.</a:t>
           </a:r>
         </a:p>
       </dgm:t>
@@ -4708,8 +3626,8 @@
       </dsp:nvSpPr>
       <dsp:spPr>
         <a:xfrm>
-          <a:off x="1954455" y="447524"/>
-          <a:ext cx="1786274" cy="557679"/>
+          <a:off x="1547361" y="545878"/>
+          <a:ext cx="2177603" cy="679853"/>
         </a:xfrm>
         <a:prstGeom prst="rect">
           <a:avLst/>
@@ -4777,8 +3695,8 @@
         </a:p>
       </dsp:txBody>
       <dsp:txXfrm>
-        <a:off x="2240259" y="447524"/>
-        <a:ext cx="1500470" cy="557679"/>
+        <a:off x="1895777" y="545878"/>
+        <a:ext cx="1829186" cy="679853"/>
       </dsp:txXfrm>
     </dsp:sp>
     <dsp:sp modelId="{59179C9B-8BA4-4AC7-ACB1-A12DE00142E2}">
@@ -4788,8 +3706,8 @@
       </dsp:nvSpPr>
       <dsp:spPr>
         <a:xfrm>
-          <a:off x="1954455" y="1005204"/>
-          <a:ext cx="1786274" cy="1191445"/>
+          <a:off x="1547361" y="1225731"/>
+          <a:ext cx="2177603" cy="1452461"/>
         </a:xfrm>
         <a:prstGeom prst="rect">
           <a:avLst/>
@@ -4851,13 +3769,13 @@
           </a:pPr>
           <a:r>
             <a:rPr lang="en-US" sz="1250" kern="1200" dirty="0"/>
-            <a:t>Research works with datasets of known fraud and non-fraud.</a:t>
+            <a:t>This research works with datasets of known fraud and non-fraud.</a:t>
           </a:r>
         </a:p>
       </dsp:txBody>
       <dsp:txXfrm>
-        <a:off x="2240259" y="1005204"/>
-        <a:ext cx="1500470" cy="1191445"/>
+        <a:off x="1895777" y="1225731"/>
+        <a:ext cx="1829186" cy="1452461"/>
       </dsp:txXfrm>
     </dsp:sp>
     <dsp:sp modelId="{1877502C-A892-4DC0-ADA6-FA065097BB90}">
@@ -4867,8 +3785,8 @@
       </dsp:nvSpPr>
       <dsp:spPr>
         <a:xfrm>
-          <a:off x="1954455" y="2196649"/>
-          <a:ext cx="1786274" cy="1191445"/>
+          <a:off x="1547361" y="2678192"/>
+          <a:ext cx="2177603" cy="1095271"/>
         </a:xfrm>
         <a:prstGeom prst="rect">
           <a:avLst/>
@@ -4935,8 +3853,8 @@
         </a:p>
       </dsp:txBody>
       <dsp:txXfrm>
-        <a:off x="2240259" y="2196649"/>
-        <a:ext cx="1500470" cy="1191445"/>
+        <a:off x="1895777" y="2678192"/>
+        <a:ext cx="1829186" cy="1095271"/>
       </dsp:txXfrm>
     </dsp:sp>
     <dsp:sp modelId="{51F68A05-A560-4C6F-BC90-521AEF3B0907}">
@@ -4946,8 +3864,8 @@
       </dsp:nvSpPr>
       <dsp:spPr>
         <a:xfrm>
-          <a:off x="1954455" y="3388094"/>
-          <a:ext cx="1786274" cy="1191445"/>
+          <a:off x="1547361" y="3773464"/>
+          <a:ext cx="2177603" cy="1090522"/>
         </a:xfrm>
         <a:prstGeom prst="rect">
           <a:avLst/>
@@ -5014,8 +3932,8 @@
         </a:p>
       </dsp:txBody>
       <dsp:txXfrm>
-        <a:off x="2240259" y="3388094"/>
-        <a:ext cx="1500470" cy="1191445"/>
+        <a:off x="1895777" y="3773464"/>
+        <a:ext cx="1829186" cy="1090522"/>
       </dsp:txXfrm>
     </dsp:sp>
     <dsp:sp modelId="{FC7ED273-8CFD-43C2-9C05-44FADF3E0637}">
@@ -5025,8 +3943,8 @@
       </dsp:nvSpPr>
       <dsp:spPr>
         <a:xfrm>
-          <a:off x="1001776" y="1673"/>
-          <a:ext cx="1190849" cy="1190849"/>
+          <a:off x="385972" y="2352"/>
+          <a:ext cx="1451735" cy="1451735"/>
         </a:xfrm>
         <a:prstGeom prst="ellipse">
           <a:avLst/>
@@ -5099,7 +4017,7 @@
         </a:bodyPr>
         <a:lstStyle/>
         <a:p>
-          <a:pPr marL="0" lvl="0" indent="0" algn="ctr" defTabSz="577850">
+          <a:pPr marL="0" lvl="0" indent="0" algn="ctr" defTabSz="711200">
             <a:lnSpc>
               <a:spcPct val="90000"/>
             </a:lnSpc>
@@ -5112,14 +4030,14 @@
             <a:buNone/>
           </a:pPr>
           <a:r>
-            <a:rPr lang="en-US" sz="1300" kern="1200" dirty="0"/>
+            <a:rPr lang="en-US" sz="1600" kern="1200" dirty="0"/>
             <a:t>L1: Philosophy</a:t>
           </a:r>
         </a:p>
       </dsp:txBody>
       <dsp:txXfrm>
-        <a:off x="1176172" y="176069"/>
-        <a:ext cx="842057" cy="842057"/>
+        <a:off x="598574" y="214954"/>
+        <a:ext cx="1026531" cy="1026531"/>
       </dsp:txXfrm>
     </dsp:sp>
     <dsp:sp modelId="{F660F4B9-35DB-4256-A868-A35C6DCCF6B2}">
@@ -5129,8 +4047,8 @@
       </dsp:nvSpPr>
       <dsp:spPr>
         <a:xfrm>
-          <a:off x="4931580" y="478013"/>
-          <a:ext cx="1786274" cy="588645"/>
+          <a:off x="5176699" y="583046"/>
+          <a:ext cx="2177603" cy="717603"/>
         </a:xfrm>
         <a:prstGeom prst="rect">
           <a:avLst/>
@@ -5198,8 +4116,8 @@
         </a:p>
       </dsp:txBody>
       <dsp:txXfrm>
-        <a:off x="5217384" y="478013"/>
-        <a:ext cx="1500470" cy="588645"/>
+        <a:off x="5525116" y="583046"/>
+        <a:ext cx="1829186" cy="717603"/>
       </dsp:txXfrm>
     </dsp:sp>
     <dsp:sp modelId="{614EBA0E-D12B-447E-B378-B0FA2DEBEA2F}">
@@ -5209,8 +4127,8 @@
       </dsp:nvSpPr>
       <dsp:spPr>
         <a:xfrm>
-          <a:off x="4931580" y="1036169"/>
-          <a:ext cx="1786274" cy="1191445"/>
+          <a:off x="5176699" y="1263481"/>
+          <a:ext cx="2177603" cy="1587699"/>
         </a:xfrm>
         <a:prstGeom prst="rect">
           <a:avLst/>
@@ -5277,8 +4195,8 @@
         </a:p>
       </dsp:txBody>
       <dsp:txXfrm>
-        <a:off x="5217384" y="1036169"/>
-        <a:ext cx="1500470" cy="1191445"/>
+        <a:off x="5525116" y="1263481"/>
+        <a:ext cx="1829186" cy="1587699"/>
       </dsp:txXfrm>
     </dsp:sp>
     <dsp:sp modelId="{972A10CF-0115-4D4B-B023-6D68DDF4DE3D}">
@@ -5288,8 +4206,8 @@
       </dsp:nvSpPr>
       <dsp:spPr>
         <a:xfrm>
-          <a:off x="4931580" y="2232333"/>
-          <a:ext cx="1786274" cy="592040"/>
+          <a:off x="5176699" y="2856932"/>
+          <a:ext cx="2177603" cy="502827"/>
         </a:xfrm>
         <a:prstGeom prst="rect">
           <a:avLst/>
@@ -5349,6 +4267,21 @@
             </a:spcAft>
             <a:buNone/>
           </a:pPr>
+          <a:endParaRPr lang="en-US" sz="1250" b="1" kern="1200" dirty="0"/>
+        </a:p>
+        <a:p>
+          <a:pPr marL="0" lvl="0" indent="0" algn="l" defTabSz="555625">
+            <a:lnSpc>
+              <a:spcPct val="90000"/>
+            </a:lnSpc>
+            <a:spcBef>
+              <a:spcPct val="0"/>
+            </a:spcBef>
+            <a:spcAft>
+              <a:spcPct val="35000"/>
+            </a:spcAft>
+            <a:buNone/>
+          </a:pPr>
           <a:r>
             <a:rPr lang="en-US" sz="1250" b="1" kern="1200" dirty="0"/>
             <a:t>INDUCTIVE</a:t>
@@ -5356,8 +4289,8 @@
         </a:p>
       </dsp:txBody>
       <dsp:txXfrm>
-        <a:off x="5217384" y="2232333"/>
-        <a:ext cx="1500470" cy="592040"/>
+        <a:off x="5525116" y="2856932"/>
+        <a:ext cx="1829186" cy="502827"/>
       </dsp:txXfrm>
     </dsp:sp>
     <dsp:sp modelId="{68509703-D239-4E1B-8CF0-EF08079E1226}">
@@ -5367,8 +4300,8 @@
       </dsp:nvSpPr>
       <dsp:spPr>
         <a:xfrm>
-          <a:off x="4931580" y="2819655"/>
-          <a:ext cx="1786274" cy="1191445"/>
+          <a:off x="5176699" y="3354008"/>
+          <a:ext cx="2177603" cy="978799"/>
         </a:xfrm>
         <a:prstGeom prst="rect">
           <a:avLst/>
@@ -5428,6 +4361,21 @@
             </a:spcAft>
             <a:buNone/>
           </a:pPr>
+          <a:endParaRPr lang="en-US" sz="1250" kern="1200" dirty="0"/>
+        </a:p>
+        <a:p>
+          <a:pPr marL="0" lvl="0" indent="0" algn="l" defTabSz="555625">
+            <a:lnSpc>
+              <a:spcPct val="90000"/>
+            </a:lnSpc>
+            <a:spcBef>
+              <a:spcPct val="0"/>
+            </a:spcBef>
+            <a:spcAft>
+              <a:spcPct val="35000"/>
+            </a:spcAft>
+            <a:buNone/>
+          </a:pPr>
           <a:r>
             <a:rPr lang="en-US" sz="1250" kern="1200" dirty="0"/>
             <a:t>Credit card transactions for a domain/period are collated and studies to find Fraud patterns.</a:t>
@@ -5435,8 +4383,8 @@
         </a:p>
       </dsp:txBody>
       <dsp:txXfrm>
-        <a:off x="5217384" y="2819655"/>
-        <a:ext cx="1500470" cy="1191445"/>
+        <a:off x="5525116" y="3354008"/>
+        <a:ext cx="1829186" cy="978799"/>
       </dsp:txXfrm>
     </dsp:sp>
     <dsp:sp modelId="{C2FA5ED9-6193-4272-AE12-125169DCCBBD}">
@@ -5446,8 +4394,8 @@
       </dsp:nvSpPr>
       <dsp:spPr>
         <a:xfrm>
-          <a:off x="4931580" y="4011101"/>
-          <a:ext cx="1786274" cy="1477642"/>
+          <a:off x="5176699" y="4338690"/>
+          <a:ext cx="2177603" cy="1148577"/>
         </a:xfrm>
         <a:prstGeom prst="rect">
           <a:avLst/>
@@ -5514,8 +4462,8 @@
         </a:p>
       </dsp:txBody>
       <dsp:txXfrm>
-        <a:off x="5217384" y="4011101"/>
-        <a:ext cx="1500470" cy="1477642"/>
+        <a:off x="5525116" y="4338690"/>
+        <a:ext cx="1829186" cy="1148577"/>
       </dsp:txXfrm>
     </dsp:sp>
     <dsp:sp modelId="{FD776C1E-557E-4553-9447-49B69EEC7907}">
@@ -5525,8 +4473,8 @@
       </dsp:nvSpPr>
       <dsp:spPr>
         <a:xfrm>
-          <a:off x="3978900" y="1673"/>
-          <a:ext cx="1190849" cy="1190849"/>
+          <a:off x="4015311" y="2352"/>
+          <a:ext cx="1451735" cy="1451735"/>
         </a:xfrm>
         <a:prstGeom prst="ellipse">
           <a:avLst/>
@@ -5599,7 +4547,7 @@
         </a:bodyPr>
         <a:lstStyle/>
         <a:p>
-          <a:pPr marL="0" lvl="0" indent="0" algn="ctr" defTabSz="577850">
+          <a:pPr marL="0" lvl="0" indent="0" algn="ctr" defTabSz="711200">
             <a:lnSpc>
               <a:spcPct val="90000"/>
             </a:lnSpc>
@@ -5612,14 +4560,14 @@
             <a:buNone/>
           </a:pPr>
           <a:r>
-            <a:rPr lang="en-US" sz="1300" kern="1200" dirty="0"/>
+            <a:rPr lang="en-US" sz="1600" kern="1200" dirty="0"/>
             <a:t>L2: Approach</a:t>
           </a:r>
         </a:p>
       </dsp:txBody>
       <dsp:txXfrm>
-        <a:off x="4153296" y="176069"/>
-        <a:ext cx="842057" cy="842057"/>
+        <a:off x="4227913" y="214954"/>
+        <a:ext cx="1026531" cy="1026531"/>
       </dsp:txXfrm>
     </dsp:sp>
     <dsp:sp modelId="{AD2806AC-6A03-4F05-9F4D-F72EA0E56FBF}">
@@ -5629,8 +4577,8 @@
       </dsp:nvSpPr>
       <dsp:spPr>
         <a:xfrm>
-          <a:off x="7908704" y="478013"/>
-          <a:ext cx="1786274" cy="555118"/>
+          <a:off x="8806038" y="583046"/>
+          <a:ext cx="2177603" cy="676730"/>
         </a:xfrm>
         <a:prstGeom prst="rect">
           <a:avLst/>
@@ -5697,8 +4645,8 @@
         </a:p>
       </dsp:txBody>
       <dsp:txXfrm>
-        <a:off x="8194508" y="478013"/>
-        <a:ext cx="1500470" cy="555118"/>
+        <a:off x="9154454" y="583046"/>
+        <a:ext cx="1829186" cy="676730"/>
       </dsp:txXfrm>
     </dsp:sp>
     <dsp:sp modelId="{5314AADB-0AD3-4BAE-9F15-B0FE4F44C802}">
@@ -5708,8 +4656,8 @@
       </dsp:nvSpPr>
       <dsp:spPr>
         <a:xfrm>
-          <a:off x="7908704" y="1033131"/>
-          <a:ext cx="1786274" cy="1191445"/>
+          <a:off x="8806038" y="1259777"/>
+          <a:ext cx="2177603" cy="1452461"/>
         </a:xfrm>
         <a:prstGeom prst="rect">
           <a:avLst/>
@@ -5776,8 +4724,8 @@
         </a:p>
       </dsp:txBody>
       <dsp:txXfrm>
-        <a:off x="8194508" y="1033131"/>
-        <a:ext cx="1500470" cy="1191445"/>
+        <a:off x="9154454" y="1259777"/>
+        <a:ext cx="1829186" cy="1452461"/>
       </dsp:txXfrm>
     </dsp:sp>
     <dsp:sp modelId="{2C25B9A8-296C-4B38-B2D5-77934B9B3D6F}">
@@ -5787,8 +4735,8 @@
       </dsp:nvSpPr>
       <dsp:spPr>
         <a:xfrm>
-          <a:off x="7908704" y="2224576"/>
-          <a:ext cx="1786274" cy="631930"/>
+          <a:off x="8806038" y="2712238"/>
+          <a:ext cx="2177603" cy="413936"/>
         </a:xfrm>
         <a:prstGeom prst="rect">
           <a:avLst/>
@@ -5855,8 +4803,8 @@
         </a:p>
       </dsp:txBody>
       <dsp:txXfrm>
-        <a:off x="8194508" y="2224576"/>
-        <a:ext cx="1500470" cy="631930"/>
+        <a:off x="9154454" y="2712238"/>
+        <a:ext cx="1829186" cy="413936"/>
       </dsp:txXfrm>
     </dsp:sp>
     <dsp:sp modelId="{92809064-2543-4FD9-BF7E-6960E0917672}">
@@ -5866,8 +4814,8 @@
       </dsp:nvSpPr>
       <dsp:spPr>
         <a:xfrm>
-          <a:off x="7909686" y="2857496"/>
-          <a:ext cx="1786274" cy="1751781"/>
+          <a:off x="8807235" y="3127381"/>
+          <a:ext cx="2177603" cy="2135553"/>
         </a:xfrm>
         <a:prstGeom prst="rect">
           <a:avLst/>
@@ -5929,13 +4877,13 @@
           </a:pPr>
           <a:r>
             <a:rPr lang="en-US" sz="1250" kern="1200" dirty="0"/>
-            <a:t>Data scientists iterate through multiple clearly defined experiments, using different algorithms and parameters to assess accuracy.</a:t>
+            <a:t>Data scientists iterate through multiple clearly defined ML experiments, using different algorithms and parameters to assess accuracy.</a:t>
           </a:r>
         </a:p>
       </dsp:txBody>
       <dsp:txXfrm>
-        <a:off x="8195490" y="2857496"/>
-        <a:ext cx="1500470" cy="1751781"/>
+        <a:off x="9155652" y="3127381"/>
+        <a:ext cx="1829186" cy="2135553"/>
       </dsp:txXfrm>
     </dsp:sp>
     <dsp:sp modelId="{89E6DA6E-7A23-44BD-8A99-378091FF741D}">
@@ -5945,8 +4893,8 @@
       </dsp:nvSpPr>
       <dsp:spPr>
         <a:xfrm>
-          <a:off x="6956024" y="1673"/>
-          <a:ext cx="1190849" cy="1190849"/>
+          <a:off x="7644649" y="2352"/>
+          <a:ext cx="1451735" cy="1451735"/>
         </a:xfrm>
         <a:prstGeom prst="ellipse">
           <a:avLst/>
@@ -6019,7 +4967,7 @@
         </a:bodyPr>
         <a:lstStyle/>
         <a:p>
-          <a:pPr marL="0" lvl="0" indent="0" algn="ctr" defTabSz="577850">
+          <a:pPr marL="0" lvl="0" indent="0" algn="ctr" defTabSz="711200">
             <a:lnSpc>
               <a:spcPct val="90000"/>
             </a:lnSpc>
@@ -6032,14 +4980,14 @@
             <a:buNone/>
           </a:pPr>
           <a:r>
-            <a:rPr lang="en-US" sz="1300" kern="1200" dirty="0"/>
+            <a:rPr lang="en-US" sz="1600" kern="1200" dirty="0"/>
             <a:t>L3: Research Strategies</a:t>
           </a:r>
         </a:p>
       </dsp:txBody>
       <dsp:txXfrm>
-        <a:off x="7130420" y="176069"/>
-        <a:ext cx="842057" cy="842057"/>
+        <a:off x="7857251" y="214954"/>
+        <a:ext cx="1026531" cy="1026531"/>
       </dsp:txXfrm>
     </dsp:sp>
   </dsp:spTree>
@@ -6204,7 +5152,7 @@
           </a:pPr>
           <a:r>
             <a:rPr lang="en-US" sz="1250" kern="1200" dirty="0"/>
-            <a:t>The financial transaction data used in Fraud research is a collection of statistical features.</a:t>
+            <a:t>The financial transaction data used in Fraud research is a collection of statistical (numerical) features.</a:t>
           </a:r>
         </a:p>
       </dsp:txBody>
@@ -6283,15 +5231,7 @@
           </a:pPr>
           <a:r>
             <a:rPr lang="en-US" sz="1250" kern="1200" dirty="0"/>
-            <a:t>When categorical descriptions are captured, they are usually converted </a:t>
-          </a:r>
-          <a:r>
-            <a:rPr lang="en-US" sz="1250" kern="1200" dirty="0" err="1"/>
-            <a:t>ti</a:t>
-          </a:r>
-          <a:r>
-            <a:rPr lang="en-US" sz="1250" kern="1200" dirty="0"/>
-            <a:t> numerical values.</a:t>
+            <a:t>When categorical descriptions are captured, they are usually converted to numerical values.</a:t>
           </a:r>
         </a:p>
       </dsp:txBody>
@@ -6370,7 +5310,7 @@
           </a:pPr>
           <a:r>
             <a:rPr lang="en-US" sz="1250" kern="1200" dirty="0"/>
-            <a:t>General text narratives on the transaction are not processed by Classification algorithms.</a:t>
+            <a:t>General text narratives on the transactions are not processed by ML Classification algorithms.</a:t>
           </a:r>
         </a:p>
       </dsp:txBody>
@@ -15058,350 +13998,6 @@
 </p:sld>
 </file>
 
-<file path=ppt/slides/slide10.xml><?xml version="1.0" encoding="utf-8"?>
-<p:sld xmlns:a="http://schemas.openxmlformats.org/drawingml/2006/main" xmlns:r="http://schemas.openxmlformats.org/officeDocument/2006/relationships" xmlns:p="http://schemas.openxmlformats.org/presentationml/2006/main">
-  <p:cSld>
-    <p:spTree>
-      <p:nvGrpSpPr>
-        <p:cNvPr id="1" name=""/>
-        <p:cNvGrpSpPr/>
-        <p:nvPr/>
-      </p:nvGrpSpPr>
-      <p:grpSpPr>
-        <a:xfrm>
-          <a:off x="0" y="0"/>
-          <a:ext cx="0" cy="0"/>
-          <a:chOff x="0" y="0"/>
-          <a:chExt cx="0" cy="0"/>
-        </a:xfrm>
-      </p:grpSpPr>
-      <p:sp>
-        <p:nvSpPr>
-          <p:cNvPr id="2" name="Title 1"/>
-          <p:cNvSpPr>
-            <a:spLocks noGrp="1"/>
-          </p:cNvSpPr>
-          <p:nvPr>
-            <p:ph type="title"/>
-          </p:nvPr>
-        </p:nvSpPr>
-        <p:spPr/>
-        <p:txBody>
-          <a:bodyPr/>
-          <a:lstStyle/>
-          <a:p>
-            <a:r>
-              <a:rPr lang="en-US" dirty="0"/>
-              <a:t>Research Methodology - 3</a:t>
-            </a:r>
-          </a:p>
-        </p:txBody>
-      </p:sp>
-      <p:sp>
-        <p:nvSpPr>
-          <p:cNvPr id="3" name="Content Placeholder 2"/>
-          <p:cNvSpPr>
-            <a:spLocks noGrp="1"/>
-          </p:cNvSpPr>
-          <p:nvPr>
-            <p:ph sz="half" idx="1"/>
-          </p:nvPr>
-        </p:nvSpPr>
-        <p:spPr/>
-        <p:txBody>
-          <a:bodyPr/>
-          <a:lstStyle/>
-          <a:p>
-            <a:r>
-              <a:rPr lang="en-US" dirty="0"/>
-              <a:t>First bullet point here</a:t>
-            </a:r>
-          </a:p>
-          <a:p>
-            <a:r>
-              <a:rPr lang="en-US" dirty="0"/>
-              <a:t>Second bullet point here</a:t>
-            </a:r>
-          </a:p>
-          <a:p>
-            <a:r>
-              <a:rPr lang="en-US" dirty="0"/>
-              <a:t>Third bullet point here</a:t>
-            </a:r>
-          </a:p>
-        </p:txBody>
-      </p:sp>
-      <p:graphicFrame>
-        <p:nvGraphicFramePr>
-          <p:cNvPr id="16" name="Content Placeholder 15"/>
-          <p:cNvGraphicFramePr>
-            <a:graphicFrameLocks noGrp="1"/>
-          </p:cNvGraphicFramePr>
-          <p:nvPr>
-            <p:ph sz="half" idx="2"/>
-            <p:extLst>
-              <p:ext uri="{D42A27DB-BD31-4B8C-83A1-F6EECF244321}">
-                <p14:modId xmlns:p14="http://schemas.microsoft.com/office/powerpoint/2010/main" val="1139291616"/>
-              </p:ext>
-            </p:extLst>
-          </p:nvPr>
-        </p:nvGraphicFramePr>
-        <p:xfrm>
-          <a:off x="6172200" y="1600200"/>
-          <a:ext cx="4914900" cy="1828800"/>
-        </p:xfrm>
-        <a:graphic>
-          <a:graphicData uri="http://schemas.openxmlformats.org/drawingml/2006/table">
-            <a:tbl>
-              <a:tblPr firstRow="1" bandRow="1">
-                <a:tableStyleId>{5C22544A-7EE6-4342-B048-85BDC9FD1C3A}</a:tableStyleId>
-              </a:tblPr>
-              <a:tblGrid>
-                <a:gridCol w="1638300">
-                  <a:extLst>
-                    <a:ext uri="{9D8B030D-6E8A-4147-A177-3AD203B41FA5}">
-                      <a16:colId xmlns:a16="http://schemas.microsoft.com/office/drawing/2014/main" val="20000"/>
-                    </a:ext>
-                  </a:extLst>
-                </a:gridCol>
-                <a:gridCol w="1638300">
-                  <a:extLst>
-                    <a:ext uri="{9D8B030D-6E8A-4147-A177-3AD203B41FA5}">
-                      <a16:colId xmlns:a16="http://schemas.microsoft.com/office/drawing/2014/main" val="20001"/>
-                    </a:ext>
-                  </a:extLst>
-                </a:gridCol>
-                <a:gridCol w="1638300">
-                  <a:extLst>
-                    <a:ext uri="{9D8B030D-6E8A-4147-A177-3AD203B41FA5}">
-                      <a16:colId xmlns:a16="http://schemas.microsoft.com/office/drawing/2014/main" val="20002"/>
-                    </a:ext>
-                  </a:extLst>
-                </a:gridCol>
-              </a:tblGrid>
-              <a:tr h="457200">
-                <a:tc>
-                  <a:txBody>
-                    <a:bodyPr/>
-                    <a:lstStyle/>
-                    <a:p>
-                      <a:r>
-                        <a:rPr lang="en-US" dirty="0"/>
-                        <a:t>Class</a:t>
-                      </a:r>
-                      <a:endParaRPr dirty="0"/>
-                    </a:p>
-                  </a:txBody>
-                  <a:tcPr anchor="ctr"/>
-                </a:tc>
-                <a:tc>
-                  <a:txBody>
-                    <a:bodyPr/>
-                    <a:lstStyle/>
-                    <a:p>
-                      <a:pPr algn="ctr"/>
-                      <a:r>
-                        <a:rPr dirty="0"/>
-                        <a:t>Group 1</a:t>
-                      </a:r>
-                    </a:p>
-                  </a:txBody>
-                  <a:tcPr anchor="ctr"/>
-                </a:tc>
-                <a:tc>
-                  <a:txBody>
-                    <a:bodyPr/>
-                    <a:lstStyle/>
-                    <a:p>
-                      <a:pPr algn="ctr"/>
-                      <a:r>
-                        <a:rPr dirty="0"/>
-                        <a:t>Group 2</a:t>
-                      </a:r>
-                    </a:p>
-                  </a:txBody>
-                  <a:tcPr anchor="ctr"/>
-                </a:tc>
-                <a:extLst>
-                  <a:ext uri="{0D108BD9-81ED-4DB2-BD59-A6C34878D82A}">
-                    <a16:rowId xmlns:a16="http://schemas.microsoft.com/office/drawing/2014/main" val="10000"/>
-                  </a:ext>
-                </a:extLst>
-              </a:tr>
-              <a:tr h="457200">
-                <a:tc>
-                  <a:txBody>
-                    <a:bodyPr/>
-                    <a:lstStyle/>
-                    <a:p>
-                      <a:r>
-                        <a:rPr dirty="0"/>
-                        <a:t>Class 1</a:t>
-                      </a:r>
-                    </a:p>
-                  </a:txBody>
-                  <a:tcPr anchor="ctr"/>
-                </a:tc>
-                <a:tc>
-                  <a:txBody>
-                    <a:bodyPr/>
-                    <a:lstStyle/>
-                    <a:p>
-                      <a:pPr algn="ctr"/>
-                      <a:r>
-                        <a:rPr dirty="0"/>
-                        <a:t>82</a:t>
-                      </a:r>
-                    </a:p>
-                  </a:txBody>
-                  <a:tcPr anchor="ctr"/>
-                </a:tc>
-                <a:tc>
-                  <a:txBody>
-                    <a:bodyPr/>
-                    <a:lstStyle/>
-                    <a:p>
-                      <a:pPr algn="ctr"/>
-                      <a:r>
-                        <a:t>95</a:t>
-                      </a:r>
-                    </a:p>
-                  </a:txBody>
-                  <a:tcPr anchor="ctr"/>
-                </a:tc>
-                <a:extLst>
-                  <a:ext uri="{0D108BD9-81ED-4DB2-BD59-A6C34878D82A}">
-                    <a16:rowId xmlns:a16="http://schemas.microsoft.com/office/drawing/2014/main" val="10001"/>
-                  </a:ext>
-                </a:extLst>
-              </a:tr>
-              <a:tr h="457200">
-                <a:tc>
-                  <a:txBody>
-                    <a:bodyPr/>
-                    <a:lstStyle/>
-                    <a:p>
-                      <a:r>
-                        <a:t>Class</a:t>
-                      </a:r>
-                      <a:r>
-                        <a:rPr baseline="0"/>
-                        <a:t> 2</a:t>
-                      </a:r>
-                      <a:endParaRPr/>
-                    </a:p>
-                  </a:txBody>
-                  <a:tcPr anchor="ctr"/>
-                </a:tc>
-                <a:tc>
-                  <a:txBody>
-                    <a:bodyPr/>
-                    <a:lstStyle/>
-                    <a:p>
-                      <a:pPr algn="ctr"/>
-                      <a:r>
-                        <a:rPr dirty="0"/>
-                        <a:t>76</a:t>
-                      </a:r>
-                    </a:p>
-                  </a:txBody>
-                  <a:tcPr anchor="ctr"/>
-                </a:tc>
-                <a:tc>
-                  <a:txBody>
-                    <a:bodyPr/>
-                    <a:lstStyle/>
-                    <a:p>
-                      <a:pPr algn="ctr"/>
-                      <a:r>
-                        <a:rPr dirty="0"/>
-                        <a:t>88</a:t>
-                      </a:r>
-                    </a:p>
-                  </a:txBody>
-                  <a:tcPr anchor="ctr"/>
-                </a:tc>
-                <a:extLst>
-                  <a:ext uri="{0D108BD9-81ED-4DB2-BD59-A6C34878D82A}">
-                    <a16:rowId xmlns:a16="http://schemas.microsoft.com/office/drawing/2014/main" val="10002"/>
-                  </a:ext>
-                </a:extLst>
-              </a:tr>
-              <a:tr h="457200">
-                <a:tc>
-                  <a:txBody>
-                    <a:bodyPr/>
-                    <a:lstStyle/>
-                    <a:p>
-                      <a:r>
-                        <a:t>Class 3</a:t>
-                      </a:r>
-                    </a:p>
-                  </a:txBody>
-                  <a:tcPr anchor="ctr"/>
-                </a:tc>
-                <a:tc>
-                  <a:txBody>
-                    <a:bodyPr/>
-                    <a:lstStyle/>
-                    <a:p>
-                      <a:pPr algn="ctr"/>
-                      <a:r>
-                        <a:t>84</a:t>
-                      </a:r>
-                    </a:p>
-                  </a:txBody>
-                  <a:tcPr anchor="ctr"/>
-                </a:tc>
-                <a:tc>
-                  <a:txBody>
-                    <a:bodyPr/>
-                    <a:lstStyle/>
-                    <a:p>
-                      <a:pPr algn="ctr"/>
-                      <a:r>
-                        <a:rPr dirty="0"/>
-                        <a:t>90</a:t>
-                      </a:r>
-                    </a:p>
-                  </a:txBody>
-                  <a:tcPr anchor="ctr"/>
-                </a:tc>
-                <a:extLst>
-                  <a:ext uri="{0D108BD9-81ED-4DB2-BD59-A6C34878D82A}">
-                    <a16:rowId xmlns:a16="http://schemas.microsoft.com/office/drawing/2014/main" val="10003"/>
-                  </a:ext>
-                </a:extLst>
-              </a:tr>
-            </a:tbl>
-          </a:graphicData>
-        </a:graphic>
-      </p:graphicFrame>
-    </p:spTree>
-    <p:extLst>
-      <p:ext uri="{BB962C8B-B14F-4D97-AF65-F5344CB8AC3E}">
-        <p14:creationId xmlns:p14="http://schemas.microsoft.com/office/powerpoint/2010/main" val="2853788422"/>
-      </p:ext>
-    </p:extLst>
-  </p:cSld>
-  <p:clrMapOvr>
-    <a:masterClrMapping/>
-  </p:clrMapOvr>
-  <mc:AlternateContent xmlns:mc="http://schemas.openxmlformats.org/markup-compatibility/2006" xmlns:p14="http://schemas.microsoft.com/office/powerpoint/2010/main">
-    <mc:Choice Requires="p14">
-      <p:transition spd="med" p14:dur="700">
-        <p:fade/>
-      </p:transition>
-    </mc:Choice>
-    <mc:Fallback xmlns="">
-      <p:transition spd="med">
-        <p:fade/>
-      </p:transition>
-    </mc:Fallback>
-  </mc:AlternateContent>
-</p:sld>
-</file>
-
 <file path=ppt/slides/slide2.xml><?xml version="1.0" encoding="utf-8"?>
 <p:sld xmlns:a="http://schemas.openxmlformats.org/drawingml/2006/main" xmlns:r="http://schemas.openxmlformats.org/officeDocument/2006/relationships" xmlns:p="http://schemas.openxmlformats.org/presentationml/2006/main">
   <p:cSld>
@@ -15454,7 +14050,7 @@
         <p:spPr>
           <a:xfrm>
             <a:off x="1104899" y="1600200"/>
-            <a:ext cx="4562655" cy="4572000"/>
+            <a:ext cx="4795569" cy="4572000"/>
           </a:xfrm>
         </p:spPr>
         <p:txBody>
@@ -15482,7 +14078,6 @@
                   <a:srgbClr val="000000"/>
                 </a:solidFill>
                 <a:effectLst/>
-                <a:latin typeface="Calibri" panose="020F0502020204030204" pitchFamily="34" charset="0"/>
                 <a:ea typeface="Calibri" panose="020F0502020204030204" pitchFamily="34" charset="0"/>
                 <a:cs typeface="Calibri" panose="020F0502020204030204" pitchFamily="34" charset="0"/>
               </a:rPr>
@@ -15494,11 +14089,31 @@
                   <a:srgbClr val="333333"/>
                 </a:solidFill>
                 <a:effectLst/>
-                <a:latin typeface="Calibri" panose="020F0502020204030204" pitchFamily="34" charset="0"/>
                 <a:ea typeface="Calibri" panose="020F0502020204030204" pitchFamily="34" charset="0"/>
                 <a:cs typeface="Calibri" panose="020F0502020204030204" pitchFamily="34" charset="0"/>
               </a:rPr>
-              <a:t> saw 17 cards with fraud on every 1,000 cards issued in 2013, and by 2016 this had increased to 47 cards per 1,000, an increase of 176%.</a:t>
+              <a:t> saw 17 credit cards with fraud on every 1,000 issued in 2013. By 2016, this had increased to 47 per 1,000</a:t>
+            </a:r>
+            <a:r>
+              <a:rPr lang="en-IE" sz="1600" dirty="0">
+                <a:solidFill>
+                  <a:srgbClr val="333333"/>
+                </a:solidFill>
+                <a:ea typeface="Calibri" panose="020F0502020204030204" pitchFamily="34" charset="0"/>
+                <a:cs typeface="Calibri" panose="020F0502020204030204" pitchFamily="34" charset="0"/>
+              </a:rPr>
+              <a:t> - </a:t>
+            </a:r>
+            <a:r>
+              <a:rPr lang="en-IE" sz="1600" dirty="0">
+                <a:solidFill>
+                  <a:srgbClr val="333333"/>
+                </a:solidFill>
+                <a:effectLst/>
+                <a:ea typeface="Calibri" panose="020F0502020204030204" pitchFamily="34" charset="0"/>
+                <a:cs typeface="Calibri" panose="020F0502020204030204" pitchFamily="34" charset="0"/>
+              </a:rPr>
+              <a:t>an increase of 176%.</a:t>
             </a:r>
           </a:p>
           <a:p>
@@ -15521,7 +14136,6 @@
                   <a:srgbClr val="333333"/>
                 </a:solidFill>
                 <a:effectLst/>
-                <a:latin typeface="Calibri" panose="020F0502020204030204" pitchFamily="34" charset="0"/>
                 <a:ea typeface="Calibri" panose="020F0502020204030204" pitchFamily="34" charset="0"/>
                 <a:cs typeface="Calibri" panose="020F0502020204030204" pitchFamily="34" charset="0"/>
               </a:rPr>
@@ -15530,11 +14144,10 @@
             <a:r>
               <a:rPr lang="en-IE" sz="1600" dirty="0">
                 <a:effectLst/>
-                <a:latin typeface="Calibri" panose="020F0502020204030204" pitchFamily="34" charset="0"/>
                 <a:ea typeface="Calibri" panose="020F0502020204030204" pitchFamily="34" charset="0"/>
                 <a:cs typeface="Times New Roman" panose="02020603050405020304" pitchFamily="18" charset="0"/>
               </a:rPr>
-              <a:t>the total value of fraud for credit cards issues within the SEPA region was €1.8 billion. </a:t>
+              <a:t>the total value of fraud for credit cards issued within the SEPA region was €1.8 billion. </a:t>
             </a:r>
           </a:p>
           <a:p>
@@ -15554,11 +14167,10 @@
             <a:r>
               <a:rPr lang="en-IE" sz="1600" dirty="0">
                 <a:effectLst/>
-                <a:latin typeface="Calibri" panose="020F0502020204030204" pitchFamily="34" charset="0"/>
                 <a:ea typeface="Calibri" panose="020F0502020204030204" pitchFamily="34" charset="0"/>
                 <a:cs typeface="Times New Roman" panose="02020603050405020304" pitchFamily="18" charset="0"/>
               </a:rPr>
-              <a:t>Many organisations have a significant base of employees devoted to fraud investigation, but the volume of transaction requires an automated response to fraud detection.</a:t>
+              <a:t>Many organisations have a significant base of employees devoted to fraud investigation, but the volume of transactions requires an automated response to fraud detection.</a:t>
             </a:r>
           </a:p>
           <a:p>
@@ -15577,7 +14189,6 @@
             </a:pPr>
             <a:r>
               <a:rPr lang="en-IE" sz="1600" dirty="0">
-                <a:latin typeface="Calibri" panose="020F0502020204030204" pitchFamily="34" charset="0"/>
                 <a:ea typeface="Calibri" panose="020F0502020204030204" pitchFamily="34" charset="0"/>
                 <a:cs typeface="Times New Roman" panose="02020603050405020304" pitchFamily="18" charset="0"/>
               </a:rPr>
@@ -15585,7 +14196,6 @@
             </a:r>
             <a:r>
               <a:rPr lang="en-IE" sz="1200" i="1" dirty="0">
-                <a:latin typeface="Calibri" panose="020F0502020204030204" pitchFamily="34" charset="0"/>
                 <a:ea typeface="Calibri" panose="020F0502020204030204" pitchFamily="34" charset="0"/>
                 <a:cs typeface="Times New Roman" panose="02020603050405020304" pitchFamily="18" charset="0"/>
               </a:rPr>
@@ -15593,7 +14203,6 @@
             </a:r>
             <a:r>
               <a:rPr lang="en-IE" sz="1600" dirty="0">
-                <a:latin typeface="Calibri" panose="020F0502020204030204" pitchFamily="34" charset="0"/>
                 <a:ea typeface="Calibri" panose="020F0502020204030204" pitchFamily="34" charset="0"/>
                 <a:cs typeface="Times New Roman" panose="02020603050405020304" pitchFamily="18" charset="0"/>
               </a:rPr>
@@ -15601,7 +14210,6 @@
             </a:r>
             <a:endParaRPr lang="en-IE" sz="1600" dirty="0">
               <a:effectLst/>
-              <a:latin typeface="Calibri" panose="020F0502020204030204" pitchFamily="34" charset="0"/>
               <a:ea typeface="Calibri" panose="020F0502020204030204" pitchFamily="34" charset="0"/>
               <a:cs typeface="Times New Roman" panose="02020603050405020304" pitchFamily="18" charset="0"/>
             </a:endParaRPr>
@@ -15639,8 +14247,8 @@
         </p:blipFill>
         <p:spPr>
           <a:xfrm>
-            <a:off x="5762445" y="1600199"/>
-            <a:ext cx="5323137" cy="4572001"/>
+            <a:off x="6096000" y="1600199"/>
+            <a:ext cx="4989582" cy="4572001"/>
           </a:xfrm>
         </p:spPr>
       </p:pic>
@@ -15666,6 +14274,92 @@
       </p:transition>
     </mc:Fallback>
   </mc:AlternateContent>
+  <p:timing>
+    <p:tnLst>
+      <p:par>
+        <p:cTn id="1" dur="indefinite" restart="never" nodeType="tmRoot">
+          <p:childTnLst>
+            <p:seq concurrent="1" nextAc="seek">
+              <p:cTn id="2" dur="indefinite" nodeType="mainSeq">
+                <p:childTnLst>
+                  <p:par>
+                    <p:cTn id="3" fill="hold">
+                      <p:stCondLst>
+                        <p:cond delay="indefinite"/>
+                        <p:cond evt="onBegin" delay="0">
+                          <p:tn val="2"/>
+                        </p:cond>
+                      </p:stCondLst>
+                      <p:childTnLst>
+                        <p:par>
+                          <p:cTn id="4" fill="hold">
+                            <p:stCondLst>
+                              <p:cond delay="0"/>
+                            </p:stCondLst>
+                            <p:childTnLst>
+                              <p:par>
+                                <p:cTn id="5" presetID="10" presetClass="entr" presetSubtype="0" fill="hold" nodeType="withEffect">
+                                  <p:stCondLst>
+                                    <p:cond delay="0"/>
+                                  </p:stCondLst>
+                                  <p:childTnLst>
+                                    <p:set>
+                                      <p:cBhvr>
+                                        <p:cTn id="6" dur="1" fill="hold">
+                                          <p:stCondLst>
+                                            <p:cond delay="0"/>
+                                          </p:stCondLst>
+                                        </p:cTn>
+                                        <p:tgtEl>
+                                          <p:spTgt spid="8"/>
+                                        </p:tgtEl>
+                                        <p:attrNameLst>
+                                          <p:attrName>style.visibility</p:attrName>
+                                        </p:attrNameLst>
+                                      </p:cBhvr>
+                                      <p:to>
+                                        <p:strVal val="visible"/>
+                                      </p:to>
+                                    </p:set>
+                                    <p:animEffect transition="in" filter="fade">
+                                      <p:cBhvr>
+                                        <p:cTn id="7" dur="1500"/>
+                                        <p:tgtEl>
+                                          <p:spTgt spid="8"/>
+                                        </p:tgtEl>
+                                      </p:cBhvr>
+                                    </p:animEffect>
+                                  </p:childTnLst>
+                                </p:cTn>
+                              </p:par>
+                            </p:childTnLst>
+                          </p:cTn>
+                        </p:par>
+                      </p:childTnLst>
+                    </p:cTn>
+                  </p:par>
+                </p:childTnLst>
+              </p:cTn>
+              <p:prevCondLst>
+                <p:cond evt="onPrev" delay="0">
+                  <p:tgtEl>
+                    <p:sldTgt/>
+                  </p:tgtEl>
+                </p:cond>
+              </p:prevCondLst>
+              <p:nextCondLst>
+                <p:cond evt="onNext" delay="0">
+                  <p:tgtEl>
+                    <p:sldTgt/>
+                  </p:tgtEl>
+                </p:cond>
+              </p:nextCondLst>
+            </p:seq>
+          </p:childTnLst>
+        </p:cTn>
+      </p:par>
+    </p:tnLst>
+  </p:timing>
 </p:sld>
 </file>
 
@@ -15718,14 +14412,14 @@
             <p:ph idx="1"/>
             <p:extLst>
               <p:ext uri="{D42A27DB-BD31-4B8C-83A1-F6EECF244321}">
-                <p14:modId xmlns:p14="http://schemas.microsoft.com/office/powerpoint/2010/main" val="2921584254"/>
+                <p14:modId xmlns:p14="http://schemas.microsoft.com/office/powerpoint/2010/main" val="702672633"/>
               </p:ext>
             </p:extLst>
           </p:nvPr>
         </p:nvGraphicFramePr>
         <p:xfrm>
-          <a:off x="690113" y="1337094"/>
-          <a:ext cx="10696755" cy="5520906"/>
+          <a:off x="327805" y="1337094"/>
+          <a:ext cx="11369614" cy="5520906"/>
         </p:xfrm>
         <a:graphic>
           <a:graphicData uri="http://schemas.openxmlformats.org/drawingml/2006/diagram">
@@ -15733,6 +14427,150 @@
           </a:graphicData>
         </a:graphic>
       </p:graphicFrame>
+      <p:pic>
+        <p:nvPicPr>
+          <p:cNvPr id="5" name="Picture 4" descr="A picture containing background pattern&#10;&#10;Description automatically generated">
+            <a:extLst>
+              <a:ext uri="{FF2B5EF4-FFF2-40B4-BE49-F238E27FC236}">
+                <a16:creationId xmlns:a16="http://schemas.microsoft.com/office/drawing/2014/main" id="{2FF4A1D5-C4A5-4536-90AA-001D22CBE379}"/>
+              </a:ext>
+            </a:extLst>
+          </p:cNvPr>
+          <p:cNvPicPr>
+            <a:picLocks noChangeAspect="1"/>
+          </p:cNvPicPr>
+          <p:nvPr/>
+        </p:nvPicPr>
+        <p:blipFill>
+          <a:blip r:embed="rId7" cstate="print">
+            <a:extLst>
+              <a:ext uri="{28A0092B-C50C-407E-A947-70E740481C1C}">
+                <a14:useLocalDpi xmlns:a14="http://schemas.microsoft.com/office/drawing/2010/main" val="0"/>
+              </a:ext>
+            </a:extLst>
+          </a:blip>
+          <a:stretch>
+            <a:fillRect/>
+          </a:stretch>
+        </p:blipFill>
+        <p:spPr>
+          <a:xfrm>
+            <a:off x="327805" y="2579298"/>
+            <a:ext cx="1132936" cy="849702"/>
+          </a:xfrm>
+          <a:prstGeom prst="rect">
+            <a:avLst/>
+          </a:prstGeom>
+        </p:spPr>
+      </p:pic>
+      <p:pic>
+        <p:nvPicPr>
+          <p:cNvPr id="7" name="Picture 6" descr="Graphical user interface, application&#10;&#10;Description automatically generated">
+            <a:extLst>
+              <a:ext uri="{FF2B5EF4-FFF2-40B4-BE49-F238E27FC236}">
+                <a16:creationId xmlns:a16="http://schemas.microsoft.com/office/drawing/2014/main" id="{5F4AE496-0ADA-4D5E-ADB2-129D5115C067}"/>
+              </a:ext>
+            </a:extLst>
+          </p:cNvPr>
+          <p:cNvPicPr>
+            <a:picLocks noChangeAspect="1"/>
+          </p:cNvPicPr>
+          <p:nvPr/>
+        </p:nvPicPr>
+        <p:blipFill>
+          <a:blip r:embed="rId8" cstate="print">
+            <a:extLst>
+              <a:ext uri="{28A0092B-C50C-407E-A947-70E740481C1C}">
+                <a14:useLocalDpi xmlns:a14="http://schemas.microsoft.com/office/drawing/2010/main" val="0"/>
+              </a:ext>
+            </a:extLst>
+          </a:blip>
+          <a:stretch>
+            <a:fillRect/>
+          </a:stretch>
+        </p:blipFill>
+        <p:spPr>
+          <a:xfrm>
+            <a:off x="4295955" y="2579299"/>
+            <a:ext cx="1535503" cy="849702"/>
+          </a:xfrm>
+          <a:prstGeom prst="rect">
+            <a:avLst/>
+          </a:prstGeom>
+        </p:spPr>
+      </p:pic>
+      <p:pic>
+        <p:nvPicPr>
+          <p:cNvPr id="9" name="Picture 8" descr="A picture containing text, indoor, file&#10;&#10;Description automatically generated">
+            <a:extLst>
+              <a:ext uri="{FF2B5EF4-FFF2-40B4-BE49-F238E27FC236}">
+                <a16:creationId xmlns:a16="http://schemas.microsoft.com/office/drawing/2014/main" id="{0B3B3D30-B438-484A-96C0-8225E58BA45F}"/>
+              </a:ext>
+            </a:extLst>
+          </p:cNvPr>
+          <p:cNvPicPr>
+            <a:picLocks noChangeAspect="1"/>
+          </p:cNvPicPr>
+          <p:nvPr/>
+        </p:nvPicPr>
+        <p:blipFill>
+          <a:blip r:embed="rId9" cstate="print">
+            <a:extLst>
+              <a:ext uri="{28A0092B-C50C-407E-A947-70E740481C1C}">
+                <a14:useLocalDpi xmlns:a14="http://schemas.microsoft.com/office/drawing/2010/main" val="0"/>
+              </a:ext>
+            </a:extLst>
+          </a:blip>
+          <a:stretch>
+            <a:fillRect/>
+          </a:stretch>
+        </p:blipFill>
+        <p:spPr>
+          <a:xfrm>
+            <a:off x="10721195" y="1337094"/>
+            <a:ext cx="1143000" cy="762000"/>
+          </a:xfrm>
+          <a:prstGeom prst="rect">
+            <a:avLst/>
+          </a:prstGeom>
+        </p:spPr>
+      </p:pic>
+      <p:pic>
+        <p:nvPicPr>
+          <p:cNvPr id="11" name="Picture 10" descr="A picture containing shape&#10;&#10;Description automatically generated">
+            <a:extLst>
+              <a:ext uri="{FF2B5EF4-FFF2-40B4-BE49-F238E27FC236}">
+                <a16:creationId xmlns:a16="http://schemas.microsoft.com/office/drawing/2014/main" id="{2021F10C-6DEA-449C-B975-DFCEB063DBE4}"/>
+              </a:ext>
+            </a:extLst>
+          </p:cNvPr>
+          <p:cNvPicPr>
+            <a:picLocks noChangeAspect="1"/>
+          </p:cNvPicPr>
+          <p:nvPr/>
+        </p:nvPicPr>
+        <p:blipFill>
+          <a:blip r:embed="rId10" cstate="print">
+            <a:extLst>
+              <a:ext uri="{28A0092B-C50C-407E-A947-70E740481C1C}">
+                <a14:useLocalDpi xmlns:a14="http://schemas.microsoft.com/office/drawing/2010/main" val="0"/>
+              </a:ext>
+            </a:extLst>
+          </a:blip>
+          <a:stretch>
+            <a:fillRect/>
+          </a:stretch>
+        </p:blipFill>
+        <p:spPr>
+          <a:xfrm>
+            <a:off x="10721195" y="4059014"/>
+            <a:ext cx="1143000" cy="762001"/>
+          </a:xfrm>
+          <a:prstGeom prst="rect">
+            <a:avLst/>
+          </a:prstGeom>
+        </p:spPr>
+      </p:pic>
     </p:spTree>
     <p:extLst>
       <p:ext uri="{BB962C8B-B14F-4D97-AF65-F5344CB8AC3E}">
@@ -15743,18 +14581,263 @@
   <p:clrMapOvr>
     <a:masterClrMapping/>
   </p:clrMapOvr>
-  <mc:AlternateContent xmlns:mc="http://schemas.openxmlformats.org/markup-compatibility/2006">
-    <mc:Choice xmlns:p14="http://schemas.microsoft.com/office/powerpoint/2010/main" Requires="p14">
+  <mc:AlternateContent xmlns:mc="http://schemas.openxmlformats.org/markup-compatibility/2006" xmlns:p14="http://schemas.microsoft.com/office/powerpoint/2010/main">
+    <mc:Choice Requires="p14">
       <p:transition spd="med" p14:dur="700">
         <p:fade/>
       </p:transition>
     </mc:Choice>
-    <mc:Fallback>
+    <mc:Fallback xmlns="">
       <p:transition spd="med">
         <p:fade/>
       </p:transition>
     </mc:Fallback>
   </mc:AlternateContent>
+  <p:timing>
+    <p:tnLst>
+      <p:par>
+        <p:cTn id="1" dur="indefinite" restart="never" nodeType="tmRoot">
+          <p:childTnLst>
+            <p:seq concurrent="1" nextAc="seek">
+              <p:cTn id="2" dur="indefinite" nodeType="mainSeq">
+                <p:childTnLst>
+                  <p:par>
+                    <p:cTn id="3" fill="hold">
+                      <p:stCondLst>
+                        <p:cond delay="indefinite"/>
+                        <p:cond evt="onBegin" delay="0">
+                          <p:tn val="2"/>
+                        </p:cond>
+                      </p:stCondLst>
+                      <p:childTnLst>
+                        <p:par>
+                          <p:cTn id="4" fill="hold">
+                            <p:stCondLst>
+                              <p:cond delay="0"/>
+                            </p:stCondLst>
+                            <p:childTnLst>
+                              <p:par>
+                                <p:cTn id="5" presetID="10" presetClass="entr" presetSubtype="0" fill="hold" nodeType="withEffect">
+                                  <p:stCondLst>
+                                    <p:cond delay="0"/>
+                                  </p:stCondLst>
+                                  <p:childTnLst>
+                                    <p:set>
+                                      <p:cBhvr>
+                                        <p:cTn id="6" dur="1" fill="hold">
+                                          <p:stCondLst>
+                                            <p:cond delay="0"/>
+                                          </p:stCondLst>
+                                        </p:cTn>
+                                        <p:tgtEl>
+                                          <p:spTgt spid="5"/>
+                                        </p:tgtEl>
+                                        <p:attrNameLst>
+                                          <p:attrName>style.visibility</p:attrName>
+                                        </p:attrNameLst>
+                                      </p:cBhvr>
+                                      <p:to>
+                                        <p:strVal val="visible"/>
+                                      </p:to>
+                                    </p:set>
+                                    <p:animEffect transition="in" filter="fade">
+                                      <p:cBhvr>
+                                        <p:cTn id="7" dur="750"/>
+                                        <p:tgtEl>
+                                          <p:spTgt spid="5"/>
+                                        </p:tgtEl>
+                                      </p:cBhvr>
+                                    </p:animEffect>
+                                  </p:childTnLst>
+                                </p:cTn>
+                              </p:par>
+                            </p:childTnLst>
+                          </p:cTn>
+                        </p:par>
+                      </p:childTnLst>
+                    </p:cTn>
+                  </p:par>
+                  <p:par>
+                    <p:cTn id="8" fill="hold">
+                      <p:stCondLst>
+                        <p:cond delay="indefinite"/>
+                      </p:stCondLst>
+                      <p:childTnLst>
+                        <p:par>
+                          <p:cTn id="9" fill="hold">
+                            <p:stCondLst>
+                              <p:cond delay="0"/>
+                            </p:stCondLst>
+                            <p:childTnLst>
+                              <p:par>
+                                <p:cTn id="10" presetID="10" presetClass="entr" presetSubtype="0" fill="hold" nodeType="clickEffect">
+                                  <p:stCondLst>
+                                    <p:cond delay="0"/>
+                                  </p:stCondLst>
+                                  <p:childTnLst>
+                                    <p:set>
+                                      <p:cBhvr>
+                                        <p:cTn id="11" dur="1" fill="hold">
+                                          <p:stCondLst>
+                                            <p:cond delay="0"/>
+                                          </p:stCondLst>
+                                        </p:cTn>
+                                        <p:tgtEl>
+                                          <p:spTgt spid="7"/>
+                                        </p:tgtEl>
+                                        <p:attrNameLst>
+                                          <p:attrName>style.visibility</p:attrName>
+                                        </p:attrNameLst>
+                                      </p:cBhvr>
+                                      <p:to>
+                                        <p:strVal val="visible"/>
+                                      </p:to>
+                                    </p:set>
+                                    <p:animEffect transition="in" filter="fade">
+                                      <p:cBhvr>
+                                        <p:cTn id="12" dur="500"/>
+                                        <p:tgtEl>
+                                          <p:spTgt spid="7"/>
+                                        </p:tgtEl>
+                                      </p:cBhvr>
+                                    </p:animEffect>
+                                  </p:childTnLst>
+                                </p:cTn>
+                              </p:par>
+                            </p:childTnLst>
+                          </p:cTn>
+                        </p:par>
+                      </p:childTnLst>
+                    </p:cTn>
+                  </p:par>
+                  <p:par>
+                    <p:cTn id="13" fill="hold">
+                      <p:stCondLst>
+                        <p:cond delay="indefinite"/>
+                      </p:stCondLst>
+                      <p:childTnLst>
+                        <p:par>
+                          <p:cTn id="14" fill="hold">
+                            <p:stCondLst>
+                              <p:cond delay="0"/>
+                            </p:stCondLst>
+                            <p:childTnLst>
+                              <p:par>
+                                <p:cTn id="15" presetID="10" presetClass="entr" presetSubtype="0" fill="hold" nodeType="clickEffect">
+                                  <p:stCondLst>
+                                    <p:cond delay="0"/>
+                                  </p:stCondLst>
+                                  <p:childTnLst>
+                                    <p:set>
+                                      <p:cBhvr>
+                                        <p:cTn id="16" dur="1" fill="hold">
+                                          <p:stCondLst>
+                                            <p:cond delay="0"/>
+                                          </p:stCondLst>
+                                        </p:cTn>
+                                        <p:tgtEl>
+                                          <p:spTgt spid="9"/>
+                                        </p:tgtEl>
+                                        <p:attrNameLst>
+                                          <p:attrName>style.visibility</p:attrName>
+                                        </p:attrNameLst>
+                                      </p:cBhvr>
+                                      <p:to>
+                                        <p:strVal val="visible"/>
+                                      </p:to>
+                                    </p:set>
+                                    <p:animEffect transition="in" filter="fade">
+                                      <p:cBhvr>
+                                        <p:cTn id="17" dur="500"/>
+                                        <p:tgtEl>
+                                          <p:spTgt spid="9"/>
+                                        </p:tgtEl>
+                                      </p:cBhvr>
+                                    </p:animEffect>
+                                  </p:childTnLst>
+                                </p:cTn>
+                              </p:par>
+                            </p:childTnLst>
+                          </p:cTn>
+                        </p:par>
+                      </p:childTnLst>
+                    </p:cTn>
+                  </p:par>
+                  <p:par>
+                    <p:cTn id="18" fill="hold">
+                      <p:stCondLst>
+                        <p:cond delay="indefinite"/>
+                      </p:stCondLst>
+                      <p:childTnLst>
+                        <p:par>
+                          <p:cTn id="19" fill="hold">
+                            <p:stCondLst>
+                              <p:cond delay="0"/>
+                            </p:stCondLst>
+                            <p:childTnLst>
+                              <p:par>
+                                <p:cTn id="20" presetID="10" presetClass="entr" presetSubtype="0" fill="hold" nodeType="clickEffect">
+                                  <p:stCondLst>
+                                    <p:cond delay="0"/>
+                                  </p:stCondLst>
+                                  <p:childTnLst>
+                                    <p:set>
+                                      <p:cBhvr>
+                                        <p:cTn id="21" dur="1" fill="hold">
+                                          <p:stCondLst>
+                                            <p:cond delay="0"/>
+                                          </p:stCondLst>
+                                        </p:cTn>
+                                        <p:tgtEl>
+                                          <p:spTgt spid="11"/>
+                                        </p:tgtEl>
+                                        <p:attrNameLst>
+                                          <p:attrName>style.visibility</p:attrName>
+                                        </p:attrNameLst>
+                                      </p:cBhvr>
+                                      <p:to>
+                                        <p:strVal val="visible"/>
+                                      </p:to>
+                                    </p:set>
+                                    <p:animEffect transition="in" filter="fade">
+                                      <p:cBhvr>
+                                        <p:cTn id="22" dur="500"/>
+                                        <p:tgtEl>
+                                          <p:spTgt spid="11"/>
+                                        </p:tgtEl>
+                                      </p:cBhvr>
+                                    </p:animEffect>
+                                  </p:childTnLst>
+                                </p:cTn>
+                              </p:par>
+                            </p:childTnLst>
+                          </p:cTn>
+                        </p:par>
+                      </p:childTnLst>
+                    </p:cTn>
+                  </p:par>
+                </p:childTnLst>
+              </p:cTn>
+              <p:prevCondLst>
+                <p:cond evt="onPrev" delay="0">
+                  <p:tgtEl>
+                    <p:sldTgt/>
+                  </p:tgtEl>
+                </p:cond>
+              </p:prevCondLst>
+              <p:nextCondLst>
+                <p:cond evt="onNext" delay="0">
+                  <p:tgtEl>
+                    <p:sldTgt/>
+                  </p:tgtEl>
+                </p:cond>
+              </p:nextCondLst>
+            </p:seq>
+          </p:childTnLst>
+        </p:cTn>
+      </p:par>
+    </p:tnLst>
+  </p:timing>
 </p:sld>
 </file>
 
@@ -15807,7 +14890,7 @@
             <p:ph idx="1"/>
             <p:extLst>
               <p:ext uri="{D42A27DB-BD31-4B8C-83A1-F6EECF244321}">
-                <p14:modId xmlns:p14="http://schemas.microsoft.com/office/powerpoint/2010/main" val="2512829630"/>
+                <p14:modId xmlns:p14="http://schemas.microsoft.com/office/powerpoint/2010/main" val="2696993287"/>
               </p:ext>
             </p:extLst>
           </p:nvPr>
@@ -15822,6 +14905,150 @@
           </a:graphicData>
         </a:graphic>
       </p:graphicFrame>
+      <p:pic>
+        <p:nvPicPr>
+          <p:cNvPr id="5" name="Picture 4" descr="Icon&#10;&#10;Description automatically generated">
+            <a:extLst>
+              <a:ext uri="{FF2B5EF4-FFF2-40B4-BE49-F238E27FC236}">
+                <a16:creationId xmlns:a16="http://schemas.microsoft.com/office/drawing/2014/main" id="{5F37D2EA-5ED0-4D5E-923F-0E74B0DE74C0}"/>
+              </a:ext>
+            </a:extLst>
+          </p:cNvPr>
+          <p:cNvPicPr>
+            <a:picLocks noChangeAspect="1"/>
+          </p:cNvPicPr>
+          <p:nvPr/>
+        </p:nvPicPr>
+        <p:blipFill>
+          <a:blip r:embed="rId7" cstate="print">
+            <a:extLst>
+              <a:ext uri="{28A0092B-C50C-407E-A947-70E740481C1C}">
+                <a14:useLocalDpi xmlns:a14="http://schemas.microsoft.com/office/drawing/2010/main" val="0"/>
+              </a:ext>
+            </a:extLst>
+          </a:blip>
+          <a:stretch>
+            <a:fillRect/>
+          </a:stretch>
+        </p:blipFill>
+        <p:spPr>
+          <a:xfrm>
+            <a:off x="103517" y="2550723"/>
+            <a:ext cx="1561382" cy="878277"/>
+          </a:xfrm>
+          <a:prstGeom prst="rect">
+            <a:avLst/>
+          </a:prstGeom>
+        </p:spPr>
+      </p:pic>
+      <p:pic>
+        <p:nvPicPr>
+          <p:cNvPr id="7" name="Picture 6" descr="A picture containing text, clipart&#10;&#10;Description automatically generated">
+            <a:extLst>
+              <a:ext uri="{FF2B5EF4-FFF2-40B4-BE49-F238E27FC236}">
+                <a16:creationId xmlns:a16="http://schemas.microsoft.com/office/drawing/2014/main" id="{C395E6C5-0661-4358-B44A-6E1C12FFC1E1}"/>
+              </a:ext>
+            </a:extLst>
+          </p:cNvPr>
+          <p:cNvPicPr>
+            <a:picLocks noChangeAspect="1"/>
+          </p:cNvPicPr>
+          <p:nvPr/>
+        </p:nvPicPr>
+        <p:blipFill>
+          <a:blip r:embed="rId8" cstate="print">
+            <a:extLst>
+              <a:ext uri="{28A0092B-C50C-407E-A947-70E740481C1C}">
+                <a14:useLocalDpi xmlns:a14="http://schemas.microsoft.com/office/drawing/2010/main" val="0"/>
+              </a:ext>
+            </a:extLst>
+          </a:blip>
+          <a:stretch>
+            <a:fillRect/>
+          </a:stretch>
+        </p:blipFill>
+        <p:spPr>
+          <a:xfrm>
+            <a:off x="4132053" y="3355675"/>
+            <a:ext cx="1652061" cy="989238"/>
+          </a:xfrm>
+          <a:prstGeom prst="rect">
+            <a:avLst/>
+          </a:prstGeom>
+        </p:spPr>
+      </p:pic>
+      <p:pic>
+        <p:nvPicPr>
+          <p:cNvPr id="9" name="Picture 8" descr="Logo&#10;&#10;Description automatically generated">
+            <a:extLst>
+              <a:ext uri="{FF2B5EF4-FFF2-40B4-BE49-F238E27FC236}">
+                <a16:creationId xmlns:a16="http://schemas.microsoft.com/office/drawing/2014/main" id="{49915ED9-91C4-4195-B9C4-574A22B50A14}"/>
+              </a:ext>
+            </a:extLst>
+          </p:cNvPr>
+          <p:cNvPicPr>
+            <a:picLocks noChangeAspect="1"/>
+          </p:cNvPicPr>
+          <p:nvPr/>
+        </p:nvPicPr>
+        <p:blipFill>
+          <a:blip r:embed="rId9" cstate="print">
+            <a:extLst>
+              <a:ext uri="{28A0092B-C50C-407E-A947-70E740481C1C}">
+                <a14:useLocalDpi xmlns:a14="http://schemas.microsoft.com/office/drawing/2010/main" val="0"/>
+              </a:ext>
+            </a:extLst>
+          </a:blip>
+          <a:stretch>
+            <a:fillRect/>
+          </a:stretch>
+        </p:blipFill>
+        <p:spPr>
+          <a:xfrm>
+            <a:off x="11085582" y="5714910"/>
+            <a:ext cx="891516" cy="668637"/>
+          </a:xfrm>
+          <a:prstGeom prst="rect">
+            <a:avLst/>
+          </a:prstGeom>
+        </p:spPr>
+      </p:pic>
+      <p:pic>
+        <p:nvPicPr>
+          <p:cNvPr id="11" name="Picture 10" descr="Diagram, icon&#10;&#10;Description automatically generated">
+            <a:extLst>
+              <a:ext uri="{FF2B5EF4-FFF2-40B4-BE49-F238E27FC236}">
+                <a16:creationId xmlns:a16="http://schemas.microsoft.com/office/drawing/2014/main" id="{8381584C-1D0D-44A1-86E2-E4AA0E175413}"/>
+              </a:ext>
+            </a:extLst>
+          </p:cNvPr>
+          <p:cNvPicPr>
+            <a:picLocks noChangeAspect="1"/>
+          </p:cNvPicPr>
+          <p:nvPr/>
+        </p:nvPicPr>
+        <p:blipFill>
+          <a:blip r:embed="rId10">
+            <a:extLst>
+              <a:ext uri="{28A0092B-C50C-407E-A947-70E740481C1C}">
+                <a14:useLocalDpi xmlns:a14="http://schemas.microsoft.com/office/drawing/2010/main" val="0"/>
+              </a:ext>
+            </a:extLst>
+          </a:blip>
+          <a:stretch>
+            <a:fillRect/>
+          </a:stretch>
+        </p:blipFill>
+        <p:spPr>
+          <a:xfrm>
+            <a:off x="10403457" y="1342845"/>
+            <a:ext cx="1207877" cy="1207877"/>
+          </a:xfrm>
+          <a:prstGeom prst="rect">
+            <a:avLst/>
+          </a:prstGeom>
+        </p:spPr>
+      </p:pic>
     </p:spTree>
     <p:extLst>
       <p:ext uri="{BB962C8B-B14F-4D97-AF65-F5344CB8AC3E}">
@@ -15832,18 +15059,263 @@
   <p:clrMapOvr>
     <a:masterClrMapping/>
   </p:clrMapOvr>
-  <mc:AlternateContent xmlns:mc="http://schemas.openxmlformats.org/markup-compatibility/2006">
-    <mc:Choice xmlns:p14="http://schemas.microsoft.com/office/powerpoint/2010/main" Requires="p14">
+  <mc:AlternateContent xmlns:mc="http://schemas.openxmlformats.org/markup-compatibility/2006" xmlns:p14="http://schemas.microsoft.com/office/powerpoint/2010/main">
+    <mc:Choice Requires="p14">
       <p:transition spd="med" p14:dur="700">
         <p:fade/>
       </p:transition>
     </mc:Choice>
-    <mc:Fallback>
+    <mc:Fallback xmlns="">
       <p:transition spd="med">
         <p:fade/>
       </p:transition>
     </mc:Fallback>
   </mc:AlternateContent>
+  <p:timing>
+    <p:tnLst>
+      <p:par>
+        <p:cTn id="1" dur="indefinite" restart="never" nodeType="tmRoot">
+          <p:childTnLst>
+            <p:seq concurrent="1" nextAc="seek">
+              <p:cTn id="2" dur="indefinite" nodeType="mainSeq">
+                <p:childTnLst>
+                  <p:par>
+                    <p:cTn id="3" fill="hold">
+                      <p:stCondLst>
+                        <p:cond delay="indefinite"/>
+                        <p:cond evt="onBegin" delay="0">
+                          <p:tn val="2"/>
+                        </p:cond>
+                      </p:stCondLst>
+                      <p:childTnLst>
+                        <p:par>
+                          <p:cTn id="4" fill="hold">
+                            <p:stCondLst>
+                              <p:cond delay="0"/>
+                            </p:stCondLst>
+                            <p:childTnLst>
+                              <p:par>
+                                <p:cTn id="5" presetID="10" presetClass="entr" presetSubtype="0" fill="hold" nodeType="withEffect">
+                                  <p:stCondLst>
+                                    <p:cond delay="0"/>
+                                  </p:stCondLst>
+                                  <p:childTnLst>
+                                    <p:set>
+                                      <p:cBhvr>
+                                        <p:cTn id="6" dur="1" fill="hold">
+                                          <p:stCondLst>
+                                            <p:cond delay="0"/>
+                                          </p:stCondLst>
+                                        </p:cTn>
+                                        <p:tgtEl>
+                                          <p:spTgt spid="5"/>
+                                        </p:tgtEl>
+                                        <p:attrNameLst>
+                                          <p:attrName>style.visibility</p:attrName>
+                                        </p:attrNameLst>
+                                      </p:cBhvr>
+                                      <p:to>
+                                        <p:strVal val="visible"/>
+                                      </p:to>
+                                    </p:set>
+                                    <p:animEffect transition="in" filter="fade">
+                                      <p:cBhvr>
+                                        <p:cTn id="7" dur="750"/>
+                                        <p:tgtEl>
+                                          <p:spTgt spid="5"/>
+                                        </p:tgtEl>
+                                      </p:cBhvr>
+                                    </p:animEffect>
+                                  </p:childTnLst>
+                                </p:cTn>
+                              </p:par>
+                            </p:childTnLst>
+                          </p:cTn>
+                        </p:par>
+                      </p:childTnLst>
+                    </p:cTn>
+                  </p:par>
+                  <p:par>
+                    <p:cTn id="8" fill="hold">
+                      <p:stCondLst>
+                        <p:cond delay="indefinite"/>
+                      </p:stCondLst>
+                      <p:childTnLst>
+                        <p:par>
+                          <p:cTn id="9" fill="hold">
+                            <p:stCondLst>
+                              <p:cond delay="0"/>
+                            </p:stCondLst>
+                            <p:childTnLst>
+                              <p:par>
+                                <p:cTn id="10" presetID="10" presetClass="entr" presetSubtype="0" fill="hold" nodeType="clickEffect">
+                                  <p:stCondLst>
+                                    <p:cond delay="0"/>
+                                  </p:stCondLst>
+                                  <p:childTnLst>
+                                    <p:set>
+                                      <p:cBhvr>
+                                        <p:cTn id="11" dur="1" fill="hold">
+                                          <p:stCondLst>
+                                            <p:cond delay="0"/>
+                                          </p:stCondLst>
+                                        </p:cTn>
+                                        <p:tgtEl>
+                                          <p:spTgt spid="7"/>
+                                        </p:tgtEl>
+                                        <p:attrNameLst>
+                                          <p:attrName>style.visibility</p:attrName>
+                                        </p:attrNameLst>
+                                      </p:cBhvr>
+                                      <p:to>
+                                        <p:strVal val="visible"/>
+                                      </p:to>
+                                    </p:set>
+                                    <p:animEffect transition="in" filter="fade">
+                                      <p:cBhvr>
+                                        <p:cTn id="12" dur="500"/>
+                                        <p:tgtEl>
+                                          <p:spTgt spid="7"/>
+                                        </p:tgtEl>
+                                      </p:cBhvr>
+                                    </p:animEffect>
+                                  </p:childTnLst>
+                                </p:cTn>
+                              </p:par>
+                            </p:childTnLst>
+                          </p:cTn>
+                        </p:par>
+                      </p:childTnLst>
+                    </p:cTn>
+                  </p:par>
+                  <p:par>
+                    <p:cTn id="13" fill="hold">
+                      <p:stCondLst>
+                        <p:cond delay="indefinite"/>
+                      </p:stCondLst>
+                      <p:childTnLst>
+                        <p:par>
+                          <p:cTn id="14" fill="hold">
+                            <p:stCondLst>
+                              <p:cond delay="0"/>
+                            </p:stCondLst>
+                            <p:childTnLst>
+                              <p:par>
+                                <p:cTn id="15" presetID="10" presetClass="entr" presetSubtype="0" fill="hold" nodeType="clickEffect">
+                                  <p:stCondLst>
+                                    <p:cond delay="0"/>
+                                  </p:stCondLst>
+                                  <p:childTnLst>
+                                    <p:set>
+                                      <p:cBhvr>
+                                        <p:cTn id="16" dur="1" fill="hold">
+                                          <p:stCondLst>
+                                            <p:cond delay="0"/>
+                                          </p:stCondLst>
+                                        </p:cTn>
+                                        <p:tgtEl>
+                                          <p:spTgt spid="11"/>
+                                        </p:tgtEl>
+                                        <p:attrNameLst>
+                                          <p:attrName>style.visibility</p:attrName>
+                                        </p:attrNameLst>
+                                      </p:cBhvr>
+                                      <p:to>
+                                        <p:strVal val="visible"/>
+                                      </p:to>
+                                    </p:set>
+                                    <p:animEffect transition="in" filter="fade">
+                                      <p:cBhvr>
+                                        <p:cTn id="17" dur="500"/>
+                                        <p:tgtEl>
+                                          <p:spTgt spid="11"/>
+                                        </p:tgtEl>
+                                      </p:cBhvr>
+                                    </p:animEffect>
+                                  </p:childTnLst>
+                                </p:cTn>
+                              </p:par>
+                            </p:childTnLst>
+                          </p:cTn>
+                        </p:par>
+                      </p:childTnLst>
+                    </p:cTn>
+                  </p:par>
+                  <p:par>
+                    <p:cTn id="18" fill="hold">
+                      <p:stCondLst>
+                        <p:cond delay="indefinite"/>
+                      </p:stCondLst>
+                      <p:childTnLst>
+                        <p:par>
+                          <p:cTn id="19" fill="hold">
+                            <p:stCondLst>
+                              <p:cond delay="0"/>
+                            </p:stCondLst>
+                            <p:childTnLst>
+                              <p:par>
+                                <p:cTn id="20" presetID="10" presetClass="entr" presetSubtype="0" fill="hold" nodeType="clickEffect">
+                                  <p:stCondLst>
+                                    <p:cond delay="0"/>
+                                  </p:stCondLst>
+                                  <p:childTnLst>
+                                    <p:set>
+                                      <p:cBhvr>
+                                        <p:cTn id="21" dur="1" fill="hold">
+                                          <p:stCondLst>
+                                            <p:cond delay="0"/>
+                                          </p:stCondLst>
+                                        </p:cTn>
+                                        <p:tgtEl>
+                                          <p:spTgt spid="9"/>
+                                        </p:tgtEl>
+                                        <p:attrNameLst>
+                                          <p:attrName>style.visibility</p:attrName>
+                                        </p:attrNameLst>
+                                      </p:cBhvr>
+                                      <p:to>
+                                        <p:strVal val="visible"/>
+                                      </p:to>
+                                    </p:set>
+                                    <p:animEffect transition="in" filter="fade">
+                                      <p:cBhvr>
+                                        <p:cTn id="22" dur="500"/>
+                                        <p:tgtEl>
+                                          <p:spTgt spid="9"/>
+                                        </p:tgtEl>
+                                      </p:cBhvr>
+                                    </p:animEffect>
+                                  </p:childTnLst>
+                                </p:cTn>
+                              </p:par>
+                            </p:childTnLst>
+                          </p:cTn>
+                        </p:par>
+                      </p:childTnLst>
+                    </p:cTn>
+                  </p:par>
+                </p:childTnLst>
+              </p:cTn>
+              <p:prevCondLst>
+                <p:cond evt="onPrev" delay="0">
+                  <p:tgtEl>
+                    <p:sldTgt/>
+                  </p:tgtEl>
+                </p:cond>
+              </p:prevCondLst>
+              <p:nextCondLst>
+                <p:cond evt="onNext" delay="0">
+                  <p:tgtEl>
+                    <p:sldTgt/>
+                  </p:tgtEl>
+                </p:cond>
+              </p:nextCondLst>
+            </p:seq>
+          </p:childTnLst>
+        </p:cTn>
+      </p:par>
+    </p:tnLst>
+  </p:timing>
 </p:sld>
 </file>
 
@@ -15874,9 +15346,16 @@
             <p:ph type="title"/>
           </p:nvPr>
         </p:nvSpPr>
-        <p:spPr/>
+        <p:spPr>
+          <a:xfrm>
+            <a:off x="1104900" y="76200"/>
+            <a:ext cx="9980682" cy="1096962"/>
+          </a:xfrm>
+        </p:spPr>
         <p:txBody>
-          <a:bodyPr/>
+          <a:bodyPr anchor="b">
+            <a:normAutofit/>
+          </a:bodyPr>
           <a:lstStyle/>
           <a:p>
             <a:r>
@@ -15899,23 +15378,80 @@
         <p:spPr>
           <a:xfrm>
             <a:off x="1104900" y="1600200"/>
-            <a:ext cx="4588534" cy="4572000"/>
+            <a:ext cx="3396996" cy="4572000"/>
           </a:xfrm>
         </p:spPr>
         <p:txBody>
-          <a:bodyPr/>
+          <a:bodyPr>
+            <a:normAutofit/>
+          </a:bodyPr>
           <a:lstStyle/>
           <a:p>
+            <a:pPr marL="285750" indent="-285750">
+              <a:buFont typeface="Arial" panose="020B0604020202020204" pitchFamily="34" charset="0"/>
+              <a:buChar char="•"/>
+            </a:pPr>
             <a:r>
-              <a:rPr lang="en-US" dirty="0"/>
-              <a:t>Caption</a:t>
+              <a:rPr lang="en-US" sz="1600" dirty="0"/>
+              <a:t>The challenge of building effective automated ML driven systems to detect credit card fraud is constantly changing.</a:t>
+            </a:r>
+          </a:p>
+          <a:p>
+            <a:pPr marL="285750" indent="-285750">
+              <a:buFont typeface="Arial" panose="020B0604020202020204" pitchFamily="34" charset="0"/>
+              <a:buChar char="•"/>
+            </a:pPr>
+            <a:endParaRPr lang="en-US" sz="1600" dirty="0"/>
+          </a:p>
+          <a:p>
+            <a:pPr marL="285750" indent="-285750">
+              <a:buFont typeface="Arial" panose="020B0604020202020204" pitchFamily="34" charset="0"/>
+              <a:buChar char="•"/>
+            </a:pPr>
+            <a:r>
+              <a:rPr lang="en-US" sz="1600" dirty="0"/>
+              <a:t>Payment channels and fraudster sophistication continue to evolve.</a:t>
+            </a:r>
+          </a:p>
+          <a:p>
+            <a:pPr marL="285750" indent="-285750">
+              <a:buFont typeface="Arial" panose="020B0604020202020204" pitchFamily="34" charset="0"/>
+              <a:buChar char="•"/>
+            </a:pPr>
+            <a:endParaRPr lang="en-US" sz="1600" dirty="0"/>
+          </a:p>
+          <a:p>
+            <a:pPr marL="285750" indent="-285750">
+              <a:buFont typeface="Arial" panose="020B0604020202020204" pitchFamily="34" charset="0"/>
+              <a:buChar char="•"/>
+            </a:pPr>
+            <a:r>
+              <a:rPr lang="en-US" sz="1600" dirty="0"/>
+              <a:t>There will never be a static solution to the problem.</a:t>
+            </a:r>
+          </a:p>
+          <a:p>
+            <a:pPr marL="285750" indent="-285750">
+              <a:buFont typeface="Arial" panose="020B0604020202020204" pitchFamily="34" charset="0"/>
+              <a:buChar char="•"/>
+            </a:pPr>
+            <a:endParaRPr lang="en-US" sz="1600" dirty="0"/>
+          </a:p>
+          <a:p>
+            <a:pPr marL="285750" indent="-285750">
+              <a:buFont typeface="Arial" panose="020B0604020202020204" pitchFamily="34" charset="0"/>
+              <a:buChar char="•"/>
+            </a:pPr>
+            <a:r>
+              <a:rPr lang="en-US" sz="1600" dirty="0"/>
+              <a:t>Therefore, research approaches need to constantly iterate with up-to-date datasets and new tools/methods etc.</a:t>
             </a:r>
           </a:p>
         </p:txBody>
       </p:sp>
       <p:pic>
         <p:nvPicPr>
-          <p:cNvPr id="5" name="Picture Placeholder 4" descr="Close-up of books on shelves with more books blurred in foreground and background"/>
+          <p:cNvPr id="5" name="Picture Placeholder 4"/>
           <p:cNvPicPr>
             <a:picLocks noGrp="1" noChangeAspect="1"/>
           </p:cNvPicPr>
@@ -15923,24 +15459,59 @@
             <p:ph type="pic" idx="1"/>
           </p:nvPr>
         </p:nvPicPr>
-        <p:blipFill>
-          <a:blip r:embed="rId2" cstate="print">
+        <p:blipFill rotWithShape="1">
+          <a:blip r:embed="rId2">
             <a:extLst>
               <a:ext uri="{28A0092B-C50C-407E-A947-70E740481C1C}">
                 <a14:useLocalDpi xmlns:a14="http://schemas.microsoft.com/office/drawing/2010/main" val="0"/>
               </a:ext>
             </a:extLst>
           </a:blip>
-          <a:srcRect l="3155" r="3155"/>
+          <a:srcRect t="2604" b="2604"/>
+          <a:stretch/>
+        </p:blipFill>
+        <p:spPr>
+          <a:xfrm>
+            <a:off x="4654671" y="1600204"/>
+            <a:ext cx="6430912" cy="4571991"/>
+          </a:xfrm>
+          <a:noFill/>
+        </p:spPr>
+      </p:pic>
+      <p:pic>
+        <p:nvPicPr>
+          <p:cNvPr id="6" name="Picture 5">
+            <a:extLst>
+              <a:ext uri="{FF2B5EF4-FFF2-40B4-BE49-F238E27FC236}">
+                <a16:creationId xmlns:a16="http://schemas.microsoft.com/office/drawing/2014/main" id="{5A24DC80-C139-4024-AEEA-1CFDF3B94D5B}"/>
+              </a:ext>
+            </a:extLst>
+          </p:cNvPr>
+          <p:cNvPicPr>
+            <a:picLocks noChangeAspect="1"/>
+          </p:cNvPicPr>
+          <p:nvPr/>
+        </p:nvPicPr>
+        <p:blipFill>
+          <a:blip r:embed="rId3" cstate="print">
+            <a:extLst>
+              <a:ext uri="{28A0092B-C50C-407E-A947-70E740481C1C}">
+                <a14:useLocalDpi xmlns:a14="http://schemas.microsoft.com/office/drawing/2010/main" val="0"/>
+              </a:ext>
+            </a:extLst>
+          </a:blip>
           <a:stretch>
             <a:fillRect/>
           </a:stretch>
         </p:blipFill>
         <p:spPr>
           <a:xfrm>
-            <a:off x="5796951" y="1600199"/>
-            <a:ext cx="5288632" cy="4572001"/>
+            <a:off x="10408046" y="982243"/>
+            <a:ext cx="1355071" cy="1096962"/>
           </a:xfrm>
+          <a:prstGeom prst="rect">
+            <a:avLst/>
+          </a:prstGeom>
         </p:spPr>
       </p:pic>
     </p:spTree>
@@ -15965,6 +15536,92 @@
       </p:transition>
     </mc:Fallback>
   </mc:AlternateContent>
+  <p:timing>
+    <p:tnLst>
+      <p:par>
+        <p:cTn id="1" dur="indefinite" restart="never" nodeType="tmRoot">
+          <p:childTnLst>
+            <p:seq concurrent="1" nextAc="seek">
+              <p:cTn id="2" dur="indefinite" nodeType="mainSeq">
+                <p:childTnLst>
+                  <p:par>
+                    <p:cTn id="3" fill="hold">
+                      <p:stCondLst>
+                        <p:cond delay="indefinite"/>
+                        <p:cond evt="onBegin" delay="0">
+                          <p:tn val="2"/>
+                        </p:cond>
+                      </p:stCondLst>
+                      <p:childTnLst>
+                        <p:par>
+                          <p:cTn id="4" fill="hold">
+                            <p:stCondLst>
+                              <p:cond delay="0"/>
+                            </p:stCondLst>
+                            <p:childTnLst>
+                              <p:par>
+                                <p:cTn id="5" presetID="10" presetClass="entr" presetSubtype="0" fill="hold" nodeType="withEffect">
+                                  <p:stCondLst>
+                                    <p:cond delay="0"/>
+                                  </p:stCondLst>
+                                  <p:childTnLst>
+                                    <p:set>
+                                      <p:cBhvr>
+                                        <p:cTn id="6" dur="1" fill="hold">
+                                          <p:stCondLst>
+                                            <p:cond delay="0"/>
+                                          </p:stCondLst>
+                                        </p:cTn>
+                                        <p:tgtEl>
+                                          <p:spTgt spid="6"/>
+                                        </p:tgtEl>
+                                        <p:attrNameLst>
+                                          <p:attrName>style.visibility</p:attrName>
+                                        </p:attrNameLst>
+                                      </p:cBhvr>
+                                      <p:to>
+                                        <p:strVal val="visible"/>
+                                      </p:to>
+                                    </p:set>
+                                    <p:animEffect transition="in" filter="fade">
+                                      <p:cBhvr>
+                                        <p:cTn id="7" dur="500"/>
+                                        <p:tgtEl>
+                                          <p:spTgt spid="6"/>
+                                        </p:tgtEl>
+                                      </p:cBhvr>
+                                    </p:animEffect>
+                                  </p:childTnLst>
+                                </p:cTn>
+                              </p:par>
+                            </p:childTnLst>
+                          </p:cTn>
+                        </p:par>
+                      </p:childTnLst>
+                    </p:cTn>
+                  </p:par>
+                </p:childTnLst>
+              </p:cTn>
+              <p:prevCondLst>
+                <p:cond evt="onPrev" delay="0">
+                  <p:tgtEl>
+                    <p:sldTgt/>
+                  </p:tgtEl>
+                </p:cond>
+              </p:prevCondLst>
+              <p:nextCondLst>
+                <p:cond evt="onNext" delay="0">
+                  <p:tgtEl>
+                    <p:sldTgt/>
+                  </p:tgtEl>
+                </p:cond>
+              </p:nextCondLst>
+            </p:seq>
+          </p:childTnLst>
+        </p:cTn>
+      </p:par>
+    </p:tnLst>
+  </p:timing>
 </p:sld>
 </file>
 
@@ -16247,7 +15904,7 @@
           <a:p>
             <a:r>
               <a:rPr lang="en-US" dirty="0"/>
-              <a:t>Research Methodology – Talking Notes(1)</a:t>
+              <a:t>Research Methodology – Talking Notes(0)</a:t>
             </a:r>
           </a:p>
         </p:txBody>
@@ -16269,98 +15926,87 @@
           </a:xfrm>
         </p:spPr>
         <p:txBody>
-          <a:bodyPr/>
+          <a:bodyPr>
+            <a:normAutofit/>
+          </a:bodyPr>
           <a:lstStyle/>
           <a:p>
             <a:r>
               <a:rPr lang="en-US" sz="1600" dirty="0"/>
-              <a:t>L1: Positivism: </a:t>
+              <a:t>Intro: </a:t>
+            </a:r>
+          </a:p>
+          <a:p>
+            <a:pPr lvl="1"/>
+            <a:endParaRPr lang="en-IE" sz="1400" dirty="0"/>
+          </a:p>
+          <a:p>
+            <a:pPr lvl="1"/>
+            <a:r>
+              <a:rPr lang="en-IE" sz="1400" dirty="0"/>
+              <a:t>Provided some statistics on the growth of CC fraud in the last decade.</a:t>
+            </a:r>
+          </a:p>
+          <a:p>
+            <a:pPr lvl="1"/>
+            <a:endParaRPr lang="en-IE" sz="1400" dirty="0"/>
+          </a:p>
+          <a:p>
+            <a:pPr lvl="1"/>
+            <a:r>
+              <a:rPr lang="en-IE" sz="1400" dirty="0"/>
+              <a:t>Something most of us have experience of, or we know someone who has.</a:t>
+            </a:r>
+          </a:p>
+          <a:p>
+            <a:pPr lvl="1"/>
+            <a:endParaRPr lang="en-IE" sz="1400" dirty="0"/>
+          </a:p>
+          <a:p>
+            <a:pPr lvl="1"/>
+            <a:r>
+              <a:rPr lang="en-IE" sz="1400" dirty="0"/>
+              <a:t>Financial institutions regular struggle to manage the challenge – have been using rules-based systems etc. but increasingly ML is being deployed in </a:t>
             </a:r>
             <a:r>
-              <a:rPr lang="en-IE" sz="1600" dirty="0"/>
-              <a:t>The emphasis is on quantifiable results that lend themselves to statistical analysis. </a:t>
-            </a:r>
-          </a:p>
-          <a:p>
-            <a:r>
-              <a:rPr lang="en-US" sz="1600" dirty="0"/>
-              <a:t>L2: Induction: </a:t>
-            </a:r>
-          </a:p>
-          <a:p>
-            <a:pPr lvl="2"/>
-            <a:r>
-              <a:rPr lang="en-IE" dirty="0"/>
-              <a:t>Observe phenomena and record them.</a:t>
-            </a:r>
-          </a:p>
-          <a:p>
-            <a:pPr lvl="2"/>
-            <a:r>
-              <a:rPr lang="en-IE" dirty="0"/>
-              <a:t>Study data recorded for possible patterns and regularities.</a:t>
-            </a:r>
-          </a:p>
-          <a:p>
-            <a:pPr lvl="2"/>
-            <a:r>
-              <a:rPr lang="en-IE" dirty="0"/>
-              <a:t>Seek explanation(s) to such patterns where they exist. </a:t>
-            </a:r>
-          </a:p>
-          <a:p>
-            <a:pPr lvl="2"/>
-            <a:r>
-              <a:rPr lang="en-IE" dirty="0"/>
-              <a:t>Provides strong evidence for conclusion.</a:t>
-            </a:r>
-          </a:p>
-          <a:p>
-            <a:r>
-              <a:rPr lang="en-IE" sz="1600" dirty="0"/>
-              <a:t>L3: Experiment:</a:t>
-            </a:r>
-          </a:p>
-          <a:p>
-            <a:pPr lvl="2"/>
-            <a:r>
-              <a:rPr lang="en-IE" dirty="0"/>
-              <a:t>The causal effect is from the independent variable on the dependent variable. </a:t>
-            </a:r>
-          </a:p>
-          <a:p>
-            <a:pPr lvl="2"/>
-            <a:r>
-              <a:rPr lang="en-IE" dirty="0"/>
-              <a:t>Experimental strategies generate data that can be statistically analysed. </a:t>
-            </a:r>
-          </a:p>
-          <a:p>
-            <a:r>
-              <a:rPr lang="en-IE" sz="1600" dirty="0"/>
-              <a:t>L3: Archival Research</a:t>
-            </a:r>
-          </a:p>
-          <a:p>
-            <a:pPr lvl="2"/>
-            <a:r>
-              <a:rPr lang="en-IE" dirty="0"/>
-              <a:t>This allows for exploratory, explanatory or descriptive analysis of changes tracked </a:t>
+              <a:rPr lang="en-IE" sz="1400" dirty="0" err="1"/>
+              <a:t>BigData</a:t>
             </a:r>
             <a:r>
-              <a:rPr lang="en-IE" u="sng" dirty="0"/>
-              <a:t>over a long period of time</a:t>
+              <a:rPr lang="en-IE" sz="1400" dirty="0"/>
+              <a:t> scenarios..</a:t>
+            </a:r>
+          </a:p>
+          <a:p>
+            <a:pPr lvl="1"/>
+            <a:endParaRPr lang="en-IE" sz="1400" dirty="0"/>
+          </a:p>
+          <a:p>
+            <a:pPr lvl="1"/>
+            <a:r>
+              <a:rPr lang="en-IE" sz="1400" dirty="0"/>
+              <a:t>Speak into last bullet point </a:t>
             </a:r>
             <a:r>
-              <a:rPr lang="en-IE" dirty="0"/>
-              <a:t>.</a:t>
+              <a:rPr lang="en-IE" sz="1400" dirty="0" err="1"/>
+              <a:t>point</a:t>
             </a:r>
-          </a:p>
-          <a:p>
-            <a:pPr lvl="2"/>
             <a:r>
-              <a:rPr lang="en-IE" dirty="0"/>
-              <a:t>Historical data for financial transactions and fraud detection can get ‘stale’ very easily. Example of Chip + PIN. </a:t>
+              <a:rPr lang="en-IE" sz="1400" dirty="0"/>
+              <a:t>…</a:t>
+            </a:r>
+          </a:p>
+          <a:p>
+            <a:pPr marL="457200" lvl="1" indent="0">
+              <a:buNone/>
+            </a:pPr>
+            <a:endParaRPr lang="en-IE" sz="1400" dirty="0"/>
+          </a:p>
+          <a:p>
+            <a:pPr lvl="1"/>
+            <a:r>
+              <a:rPr lang="en-IE" sz="1400" dirty="0"/>
+              <a:t>I have looked at three papers that were linked from work on ResearchGate and that are representative in their commonality in the approach to research in this area, which I shall elaborate on in the following slides.</a:t>
             </a:r>
           </a:p>
           <a:p>
@@ -16430,7 +16076,7 @@
           <a:p>
             <a:r>
               <a:rPr lang="en-US" dirty="0"/>
-              <a:t>Research Methodology – Talking Notes(2)</a:t>
+              <a:t>Research Methodology – Talking Notes(1)</a:t>
             </a:r>
           </a:p>
         </p:txBody>
@@ -16452,73 +16098,120 @@
           </a:xfrm>
         </p:spPr>
         <p:txBody>
-          <a:bodyPr/>
+          <a:bodyPr>
+            <a:normAutofit lnSpcReduction="10000"/>
+          </a:bodyPr>
           <a:lstStyle/>
           <a:p>
             <a:r>
               <a:rPr lang="en-US" sz="1600" dirty="0"/>
-              <a:t>L4: Choices: </a:t>
+              <a:t>L1: Positivism: </a:t>
+            </a:r>
+            <a:r>
+              <a:rPr lang="en-IE" sz="1600" dirty="0"/>
+              <a:t>The emphasis is on quantifiable results that lend themselves to statistical analysis. </a:t>
+            </a:r>
+          </a:p>
+          <a:p>
+            <a:r>
+              <a:rPr lang="en-US" sz="1600" dirty="0"/>
+              <a:t>L2: Deduction: </a:t>
             </a:r>
           </a:p>
           <a:p>
             <a:pPr lvl="2"/>
             <a:r>
               <a:rPr lang="en-IE" dirty="0"/>
-              <a:t>There is no combination of quantitative or qualitative data. ML can process qualitative text in areas such as sentiment analysis, but this is not a feature of Fraud classification research.</a:t>
-            </a:r>
-          </a:p>
-          <a:p>
-            <a:r>
-              <a:rPr lang="en-US" sz="1600" dirty="0"/>
-              <a:t>L5: Time Horizons: </a:t>
+              <a:t>On the basis of a theory, an investigator predicts certain phenomena. </a:t>
             </a:r>
           </a:p>
           <a:p>
             <a:pPr lvl="2"/>
             <a:r>
               <a:rPr lang="en-IE" dirty="0"/>
-              <a:t>Quantitative research of many transactions in a relatively short space of time. This can be necessary because the historical labels must be tagged a ‘Fraud’ or ‘Non-Fraud’ after the fact, which can be a labour-intensive process.</a:t>
+              <a:t>Next, the investigator observes and collects data to ascertain whether the phenomena occur as predicted. </a:t>
             </a:r>
           </a:p>
           <a:p>
             <a:r>
-              <a:rPr lang="en-IE" sz="1600" dirty="0"/>
-              <a:t>L6: Methods:</a:t>
+              <a:rPr lang="en-US" sz="1600" dirty="0"/>
+              <a:t>L2: Induction: </a:t>
             </a:r>
           </a:p>
           <a:p>
             <a:pPr lvl="2"/>
             <a:r>
               <a:rPr lang="en-IE" dirty="0"/>
-              <a:t>Examples of external data source providers: MLG in Belgium, </a:t>
+              <a:t>Observe phenomena and record them.</a:t>
+            </a:r>
+          </a:p>
+          <a:p>
+            <a:pPr lvl="2"/>
+            <a:r>
+              <a:rPr lang="en-IE" dirty="0"/>
+              <a:t>Study data recorded for possible patterns and regularities.</a:t>
+            </a:r>
+          </a:p>
+          <a:p>
+            <a:pPr lvl="2"/>
+            <a:r>
+              <a:rPr lang="en-IE" dirty="0"/>
+              <a:t>Seek explanation(s) to such patterns where they exist. </a:t>
+            </a:r>
+          </a:p>
+          <a:p>
+            <a:pPr lvl="2"/>
+            <a:r>
+              <a:rPr lang="en-IE" dirty="0"/>
+              <a:t>Provides strong evidence for conclusion – feature importance.</a:t>
+            </a:r>
+          </a:p>
+          <a:p>
+            <a:r>
+              <a:rPr lang="en-IE" sz="1600" dirty="0"/>
+              <a:t>L3: Experiment:</a:t>
+            </a:r>
+          </a:p>
+          <a:p>
+            <a:pPr lvl="2"/>
+            <a:r>
+              <a:rPr lang="en-IE" dirty="0"/>
+              <a:t>The causal effect is from the independent variable on the dependent variable. </a:t>
+            </a:r>
+          </a:p>
+          <a:p>
+            <a:pPr lvl="2"/>
+            <a:r>
+              <a:rPr lang="en-IE" dirty="0"/>
+              <a:t>Experimental strategies generate data that can be statistically analysed. </a:t>
+            </a:r>
+          </a:p>
+          <a:p>
+            <a:r>
+              <a:rPr lang="en-IE" sz="1600" dirty="0"/>
+              <a:t>L3: Archival Research</a:t>
+            </a:r>
+          </a:p>
+          <a:p>
+            <a:pPr lvl="2"/>
+            <a:r>
+              <a:rPr lang="en-IE" dirty="0"/>
+              <a:t>This allows for exploratory, explanatory or descriptive analysis of changes tracked </a:t>
             </a:r>
             <a:r>
-              <a:rPr lang="en-IE" dirty="0" err="1"/>
-              <a:t>PagSecuro</a:t>
+              <a:rPr lang="en-IE" u="sng" dirty="0"/>
+              <a:t>over a long period of time</a:t>
             </a:r>
             <a:r>
               <a:rPr lang="en-IE" dirty="0"/>
-              <a:t> in Brazil. </a:t>
-            </a:r>
-          </a:p>
-          <a:p>
-            <a:r>
-              <a:rPr lang="en-IE" sz="1600" dirty="0"/>
-              <a:t>L6: Tools</a:t>
+              <a:t>.</a:t>
             </a:r>
           </a:p>
           <a:p>
             <a:pPr lvl="2"/>
             <a:r>
               <a:rPr lang="en-IE" dirty="0"/>
-              <a:t>Cloud based platforms are increasingly popular, but research in the papers mentioned were in Python.</a:t>
-            </a:r>
-          </a:p>
-          <a:p>
-            <a:pPr lvl="2"/>
-            <a:r>
-              <a:rPr lang="en-IE" dirty="0"/>
-              <a:t>Other  tools such as RapidMiner or SAS Enterprise Miner are available.</a:t>
+              <a:t>Historical data for financial transactions and fraud detection can get ‘stale’ very easily. Example of Chip + PIN. </a:t>
             </a:r>
           </a:p>
           <a:p>
@@ -16532,7 +16225,7 @@
     </p:spTree>
     <p:extLst>
       <p:ext uri="{BB962C8B-B14F-4D97-AF65-F5344CB8AC3E}">
-        <p14:creationId xmlns:p14="http://schemas.microsoft.com/office/powerpoint/2010/main" val="3458722604"/>
+        <p14:creationId xmlns:p14="http://schemas.microsoft.com/office/powerpoint/2010/main" val="3338126298"/>
       </p:ext>
     </p:extLst>
   </p:cSld>
@@ -16573,7 +16266,7 @@
       </p:grpSpPr>
       <p:sp>
         <p:nvSpPr>
-          <p:cNvPr id="2" name="Title 1"/>
+          <p:cNvPr id="13" name="Title 12"/>
           <p:cNvSpPr>
             <a:spLocks noGrp="1"/>
           </p:cNvSpPr>
@@ -16588,40 +16281,109 @@
           <a:p>
             <a:r>
               <a:rPr lang="en-US" dirty="0"/>
-              <a:t>Research Methodology - 2</a:t>
+              <a:t>Research Methodology – Talking Notes(2)</a:t>
             </a:r>
           </a:p>
         </p:txBody>
       </p:sp>
-      <p:graphicFrame>
-        <p:nvGraphicFramePr>
-          <p:cNvPr id="6" name="Content Placeholder 5" descr="Clustered Column chart showing the values of 3 series for 4 categories"/>
-          <p:cNvGraphicFramePr>
-            <a:graphicFrameLocks noGrp="1"/>
-          </p:cNvGraphicFramePr>
+      <p:sp>
+        <p:nvSpPr>
+          <p:cNvPr id="14" name="Content Placeholder 13"/>
+          <p:cNvSpPr>
+            <a:spLocks noGrp="1"/>
+          </p:cNvSpPr>
           <p:nvPr>
             <p:ph idx="1"/>
-            <p:extLst>
-              <p:ext uri="{D42A27DB-BD31-4B8C-83A1-F6EECF244321}">
-                <p14:modId xmlns:p14="http://schemas.microsoft.com/office/powerpoint/2010/main" val="3944260537"/>
-              </p:ext>
-            </p:extLst>
           </p:nvPr>
-        </p:nvGraphicFramePr>
-        <p:xfrm>
-          <a:off x="1104900" y="1600200"/>
-          <a:ext cx="9982200" cy="4572000"/>
-        </p:xfrm>
-        <a:graphic>
-          <a:graphicData uri="http://schemas.openxmlformats.org/drawingml/2006/chart">
-            <c:chart xmlns:c="http://schemas.openxmlformats.org/drawingml/2006/chart" xmlns:r="http://schemas.openxmlformats.org/officeDocument/2006/relationships" r:id="rId2"/>
-          </a:graphicData>
-        </a:graphic>
-      </p:graphicFrame>
+        </p:nvSpPr>
+        <p:spPr>
+          <a:xfrm>
+            <a:off x="1104899" y="1600200"/>
+            <a:ext cx="10592519" cy="4572000"/>
+          </a:xfrm>
+        </p:spPr>
+        <p:txBody>
+          <a:bodyPr/>
+          <a:lstStyle/>
+          <a:p>
+            <a:r>
+              <a:rPr lang="en-US" sz="1600" dirty="0"/>
+              <a:t>L4: Choices: </a:t>
+            </a:r>
+          </a:p>
+          <a:p>
+            <a:pPr lvl="2"/>
+            <a:r>
+              <a:rPr lang="en-IE" dirty="0"/>
+              <a:t>There is no combination of quantitative or qualitative data. ML can process qualitative text in areas such as sentiment analysis, but this is not a feature of Fraud classification research.</a:t>
+            </a:r>
+          </a:p>
+          <a:p>
+            <a:r>
+              <a:rPr lang="en-US" sz="1600" dirty="0"/>
+              <a:t>L5: Time Horizons: </a:t>
+            </a:r>
+          </a:p>
+          <a:p>
+            <a:pPr lvl="2"/>
+            <a:r>
+              <a:rPr lang="en-IE" dirty="0"/>
+              <a:t>Quantitative research of many transactions in a relatively short space of time. This can be necessary because the historical labels must be tagged a ‘Fraud’ or ‘Non-Fraud’ after the fact, which can be a labour-intensive process.</a:t>
+            </a:r>
+          </a:p>
+          <a:p>
+            <a:r>
+              <a:rPr lang="en-IE" sz="1600" dirty="0"/>
+              <a:t>L6: Methods:</a:t>
+            </a:r>
+          </a:p>
+          <a:p>
+            <a:pPr lvl="2"/>
+            <a:r>
+              <a:rPr lang="en-IE" dirty="0"/>
+              <a:t>Examples of external data source providers: MLG in Belgium, </a:t>
+            </a:r>
+            <a:r>
+              <a:rPr lang="en-IE" dirty="0" err="1"/>
+              <a:t>PagSecuro</a:t>
+            </a:r>
+            <a:r>
+              <a:rPr lang="en-IE" dirty="0"/>
+              <a:t> in Brazil. </a:t>
+            </a:r>
+          </a:p>
+          <a:p>
+            <a:r>
+              <a:rPr lang="en-IE" sz="1600" dirty="0"/>
+              <a:t>L6: Tools</a:t>
+            </a:r>
+          </a:p>
+          <a:p>
+            <a:pPr lvl="2"/>
+            <a:r>
+              <a:rPr lang="en-IE" dirty="0"/>
+              <a:t>Cloud based platforms are increasingly popular, but research in the papers mentioned were in Python.</a:t>
+            </a:r>
+          </a:p>
+          <a:p>
+            <a:pPr lvl="2"/>
+            <a:r>
+              <a:rPr lang="en-IE" dirty="0"/>
+              <a:t>Other  tools such as RapidMiner or SAS Enterprise Miner are available.</a:t>
+            </a:r>
+          </a:p>
+          <a:p>
+            <a:endParaRPr lang="en-IE" sz="1600" dirty="0"/>
+          </a:p>
+          <a:p>
+            <a:endParaRPr lang="en-US" dirty="0"/>
+          </a:p>
+        </p:txBody>
+      </p:sp>
     </p:spTree>
     <p:extLst>
       <p:ext uri="{BB962C8B-B14F-4D97-AF65-F5344CB8AC3E}">
-        <p14:creationId xmlns:p14="http://schemas.microsoft.com/office/powerpoint/2010/main" val="4010278615"/>
+        <p14:creationId xmlns:p14="http://schemas.microsoft.com/office/powerpoint/2010/main" val="3458722604"/>
       </p:ext>
     </p:extLst>
   </p:cSld>
@@ -17391,6 +17153,141 @@
 </file>
 
 <file path=customXml/item1.xml><?xml version="1.0" encoding="utf-8"?>
+<?mso-contentType ?>
+<FormTemplates xmlns="http://schemas.microsoft.com/sharepoint/v3/contenttype/forms">
+  <Display>DocumentLibraryForm</Display>
+  <Edit>AssetEditForm</Edit>
+  <New>DocumentLibraryForm</New>
+</FormTemplates>
+</file>
+
+<file path=customXml/item2.xml><?xml version="1.0" encoding="utf-8"?>
+<p:properties xmlns:p="http://schemas.microsoft.com/office/2006/metadata/properties" xmlns:xsi="http://www.w3.org/2001/XMLSchema-instance" xmlns:pc="http://schemas.microsoft.com/office/infopath/2007/PartnerControls">
+  <documentManagement>
+    <APDescription xmlns="4873beb7-5857-4685-be1f-d57550cc96cc" xsi:nil="true"/>
+    <AssetExpire xmlns="4873beb7-5857-4685-be1f-d57550cc96cc">2029-01-01T08:00:00+00:00</AssetExpire>
+    <CampaignTagsTaxHTField0 xmlns="4873beb7-5857-4685-be1f-d57550cc96cc">
+      <Terms xmlns="http://schemas.microsoft.com/office/infopath/2007/PartnerControls"/>
+    </CampaignTagsTaxHTField0>
+    <IntlLangReviewDate xmlns="4873beb7-5857-4685-be1f-d57550cc96cc" xsi:nil="true"/>
+    <TPFriendlyName xmlns="4873beb7-5857-4685-be1f-d57550cc96cc" xsi:nil="true"/>
+    <IntlLangReview xmlns="4873beb7-5857-4685-be1f-d57550cc96cc">false</IntlLangReview>
+    <LocLastLocAttemptVersionLookup xmlns="4873beb7-5857-4685-be1f-d57550cc96cc">855024</LocLastLocAttemptVersionLookup>
+    <PolicheckWords xmlns="4873beb7-5857-4685-be1f-d57550cc96cc" xsi:nil="true"/>
+    <SubmitterId xmlns="4873beb7-5857-4685-be1f-d57550cc96cc" xsi:nil="true"/>
+    <AcquiredFrom xmlns="4873beb7-5857-4685-be1f-d57550cc96cc">Internal MS</AcquiredFrom>
+    <EditorialStatus xmlns="4873beb7-5857-4685-be1f-d57550cc96cc">Complete</EditorialStatus>
+    <Markets xmlns="4873beb7-5857-4685-be1f-d57550cc96cc"/>
+    <OriginAsset xmlns="4873beb7-5857-4685-be1f-d57550cc96cc" xsi:nil="true"/>
+    <AssetStart xmlns="4873beb7-5857-4685-be1f-d57550cc96cc">2012-08-31T08:50:00+00:00</AssetStart>
+    <FriendlyTitle xmlns="4873beb7-5857-4685-be1f-d57550cc96cc" xsi:nil="true"/>
+    <MarketSpecific xmlns="4873beb7-5857-4685-be1f-d57550cc96cc">false</MarketSpecific>
+    <TPNamespace xmlns="4873beb7-5857-4685-be1f-d57550cc96cc" xsi:nil="true"/>
+    <PublishStatusLookup xmlns="4873beb7-5857-4685-be1f-d57550cc96cc">
+      <Value>1616423</Value>
+    </PublishStatusLookup>
+    <APAuthor xmlns="4873beb7-5857-4685-be1f-d57550cc96cc">
+      <UserInfo>
+        <DisplayName>REDMOND\kristaa</DisplayName>
+        <AccountId>136</AccountId>
+        <AccountType/>
+      </UserInfo>
+    </APAuthor>
+    <TPCommandLine xmlns="4873beb7-5857-4685-be1f-d57550cc96cc" xsi:nil="true"/>
+    <IntlLangReviewer xmlns="4873beb7-5857-4685-be1f-d57550cc96cc" xsi:nil="true"/>
+    <OpenTemplate xmlns="4873beb7-5857-4685-be1f-d57550cc96cc">true</OpenTemplate>
+    <CSXSubmissionDate xmlns="4873beb7-5857-4685-be1f-d57550cc96cc" xsi:nil="true"/>
+    <TaxCatchAll xmlns="4873beb7-5857-4685-be1f-d57550cc96cc"/>
+    <Manager xmlns="4873beb7-5857-4685-be1f-d57550cc96cc" xsi:nil="true"/>
+    <NumericId xmlns="4873beb7-5857-4685-be1f-d57550cc96cc" xsi:nil="true"/>
+    <ParentAssetId xmlns="4873beb7-5857-4685-be1f-d57550cc96cc" xsi:nil="true"/>
+    <OriginalSourceMarket xmlns="4873beb7-5857-4685-be1f-d57550cc96cc" xsi:nil="true"/>
+    <ApprovalStatus xmlns="4873beb7-5857-4685-be1f-d57550cc96cc">InProgress</ApprovalStatus>
+    <TPComponent xmlns="4873beb7-5857-4685-be1f-d57550cc96cc" xsi:nil="true"/>
+    <EditorialTags xmlns="4873beb7-5857-4685-be1f-d57550cc96cc" xsi:nil="true"/>
+    <TPExecutable xmlns="4873beb7-5857-4685-be1f-d57550cc96cc" xsi:nil="true"/>
+    <TPLaunchHelpLink xmlns="4873beb7-5857-4685-be1f-d57550cc96cc" xsi:nil="true"/>
+    <LocComments xmlns="4873beb7-5857-4685-be1f-d57550cc96cc" xsi:nil="true"/>
+    <LocRecommendedHandoff xmlns="4873beb7-5857-4685-be1f-d57550cc96cc" xsi:nil="true"/>
+    <SourceTitle xmlns="4873beb7-5857-4685-be1f-d57550cc96cc" xsi:nil="true"/>
+    <CSXUpdate xmlns="4873beb7-5857-4685-be1f-d57550cc96cc">false</CSXUpdate>
+    <IntlLocPriority xmlns="4873beb7-5857-4685-be1f-d57550cc96cc" xsi:nil="true"/>
+    <UAProjectedTotalWords xmlns="4873beb7-5857-4685-be1f-d57550cc96cc" xsi:nil="true"/>
+    <AssetType xmlns="4873beb7-5857-4685-be1f-d57550cc96cc">TP</AssetType>
+    <MachineTranslated xmlns="4873beb7-5857-4685-be1f-d57550cc96cc">false</MachineTranslated>
+    <OutputCachingOn xmlns="4873beb7-5857-4685-be1f-d57550cc96cc">false</OutputCachingOn>
+    <TemplateStatus xmlns="4873beb7-5857-4685-be1f-d57550cc96cc">Complete</TemplateStatus>
+    <IsSearchable xmlns="4873beb7-5857-4685-be1f-d57550cc96cc">true</IsSearchable>
+    <ContentItem xmlns="4873beb7-5857-4685-be1f-d57550cc96cc" xsi:nil="true"/>
+    <HandoffToMSDN xmlns="4873beb7-5857-4685-be1f-d57550cc96cc" xsi:nil="true"/>
+    <ShowIn xmlns="4873beb7-5857-4685-be1f-d57550cc96cc">Show everywhere</ShowIn>
+    <ThumbnailAssetId xmlns="4873beb7-5857-4685-be1f-d57550cc96cc" xsi:nil="true"/>
+    <UALocComments xmlns="4873beb7-5857-4685-be1f-d57550cc96cc" xsi:nil="true"/>
+    <UALocRecommendation xmlns="4873beb7-5857-4685-be1f-d57550cc96cc">Localize</UALocRecommendation>
+    <LastModifiedDateTime xmlns="4873beb7-5857-4685-be1f-d57550cc96cc" xsi:nil="true"/>
+    <LegacyData xmlns="4873beb7-5857-4685-be1f-d57550cc96cc" xsi:nil="true"/>
+    <LocManualTestRequired xmlns="4873beb7-5857-4685-be1f-d57550cc96cc">false</LocManualTestRequired>
+    <LocMarketGroupTiers2 xmlns="4873beb7-5857-4685-be1f-d57550cc96cc" xsi:nil="true"/>
+    <ClipArtFilename xmlns="4873beb7-5857-4685-be1f-d57550cc96cc" xsi:nil="true"/>
+    <TPApplication xmlns="4873beb7-5857-4685-be1f-d57550cc96cc" xsi:nil="true"/>
+    <CSXHash xmlns="4873beb7-5857-4685-be1f-d57550cc96cc" xsi:nil="true"/>
+    <DirectSourceMarket xmlns="4873beb7-5857-4685-be1f-d57550cc96cc" xsi:nil="true"/>
+    <PrimaryImageGen xmlns="4873beb7-5857-4685-be1f-d57550cc96cc">true</PrimaryImageGen>
+    <PlannedPubDate xmlns="4873beb7-5857-4685-be1f-d57550cc96cc" xsi:nil="true"/>
+    <CSXSubmissionMarket xmlns="4873beb7-5857-4685-be1f-d57550cc96cc" xsi:nil="true"/>
+    <Downloads xmlns="4873beb7-5857-4685-be1f-d57550cc96cc">0</Downloads>
+    <ArtSampleDocs xmlns="4873beb7-5857-4685-be1f-d57550cc96cc" xsi:nil="true"/>
+    <TrustLevel xmlns="4873beb7-5857-4685-be1f-d57550cc96cc">1 Microsoft Managed Content</TrustLevel>
+    <BlockPublish xmlns="4873beb7-5857-4685-be1f-d57550cc96cc">false</BlockPublish>
+    <TPLaunchHelpLinkType xmlns="4873beb7-5857-4685-be1f-d57550cc96cc">Template</TPLaunchHelpLinkType>
+    <LocalizationTagsTaxHTField0 xmlns="4873beb7-5857-4685-be1f-d57550cc96cc">
+      <Terms xmlns="http://schemas.microsoft.com/office/infopath/2007/PartnerControls"/>
+    </LocalizationTagsTaxHTField0>
+    <BusinessGroup xmlns="4873beb7-5857-4685-be1f-d57550cc96cc" xsi:nil="true"/>
+    <Providers xmlns="4873beb7-5857-4685-be1f-d57550cc96cc" xsi:nil="true"/>
+    <TemplateTemplateType xmlns="4873beb7-5857-4685-be1f-d57550cc96cc">PowerPoint Presentation Template</TemplateTemplateType>
+    <TimesCloned xmlns="4873beb7-5857-4685-be1f-d57550cc96cc" xsi:nil="true"/>
+    <TPAppVersion xmlns="4873beb7-5857-4685-be1f-d57550cc96cc" xsi:nil="true"/>
+    <VoteCount xmlns="4873beb7-5857-4685-be1f-d57550cc96cc" xsi:nil="true"/>
+    <AverageRating xmlns="4873beb7-5857-4685-be1f-d57550cc96cc" xsi:nil="true"/>
+    <FeatureTagsTaxHTField0 xmlns="4873beb7-5857-4685-be1f-d57550cc96cc">
+      <Terms xmlns="http://schemas.microsoft.com/office/infopath/2007/PartnerControls"/>
+    </FeatureTagsTaxHTField0>
+    <Provider xmlns="4873beb7-5857-4685-be1f-d57550cc96cc" xsi:nil="true"/>
+    <UACurrentWords xmlns="4873beb7-5857-4685-be1f-d57550cc96cc" xsi:nil="true"/>
+    <AssetId xmlns="4873beb7-5857-4685-be1f-d57550cc96cc">TP103431361</AssetId>
+    <TPClientViewer xmlns="4873beb7-5857-4685-be1f-d57550cc96cc" xsi:nil="true"/>
+    <DSATActionTaken xmlns="4873beb7-5857-4685-be1f-d57550cc96cc" xsi:nil="true"/>
+    <APEditor xmlns="4873beb7-5857-4685-be1f-d57550cc96cc">
+      <UserInfo>
+        <DisplayName/>
+        <AccountId xsi:nil="true"/>
+        <AccountType/>
+      </UserInfo>
+    </APEditor>
+    <TPInstallLocation xmlns="4873beb7-5857-4685-be1f-d57550cc96cc" xsi:nil="true"/>
+    <OOCacheId xmlns="4873beb7-5857-4685-be1f-d57550cc96cc" xsi:nil="true"/>
+    <IsDeleted xmlns="4873beb7-5857-4685-be1f-d57550cc96cc">false</IsDeleted>
+    <PublishTargets xmlns="4873beb7-5857-4685-be1f-d57550cc96cc">OfficeOnlineVNext</PublishTargets>
+    <ApprovalLog xmlns="4873beb7-5857-4685-be1f-d57550cc96cc" xsi:nil="true"/>
+    <BugNumber xmlns="4873beb7-5857-4685-be1f-d57550cc96cc" xsi:nil="true"/>
+    <CrawlForDependencies xmlns="4873beb7-5857-4685-be1f-d57550cc96cc">false</CrawlForDependencies>
+    <InternalTagsTaxHTField0 xmlns="4873beb7-5857-4685-be1f-d57550cc96cc">
+      <Terms xmlns="http://schemas.microsoft.com/office/infopath/2007/PartnerControls"/>
+    </InternalTagsTaxHTField0>
+    <LastHandOff xmlns="4873beb7-5857-4685-be1f-d57550cc96cc" xsi:nil="true"/>
+    <Milestone xmlns="4873beb7-5857-4685-be1f-d57550cc96cc" xsi:nil="true"/>
+    <OriginalRelease xmlns="4873beb7-5857-4685-be1f-d57550cc96cc">15</OriginalRelease>
+    <RecommendationsModifier xmlns="4873beb7-5857-4685-be1f-d57550cc96cc" xsi:nil="true"/>
+    <ScenarioTagsTaxHTField0 xmlns="4873beb7-5857-4685-be1f-d57550cc96cc">
+      <Terms xmlns="http://schemas.microsoft.com/office/infopath/2007/PartnerControls"/>
+    </ScenarioTagsTaxHTField0>
+    <UANotes xmlns="4873beb7-5857-4685-be1f-d57550cc96cc" xsi:nil="true"/>
+  </documentManagement>
+</p:properties>
+</file>
+
+<file path=customXml/item3.xml><?xml version="1.0" encoding="utf-8"?>
 <ct:contentTypeSchema xmlns:ct="http://schemas.microsoft.com/office/2006/metadata/contentType" xmlns:ma="http://schemas.microsoft.com/office/2006/metadata/properties/metaAttributes" ct:_="" ma:_="" ma:contentTypeName="TemplateFile" ma:contentTypeID="0x0101006EDDDB5EE6D98C44930B742096920B300400F5B6D36B3EF94B4E9A635CDF2A18F5B8" ma:contentTypeVersion="72" ma:contentTypeDescription="Create a new document." ma:contentTypeScope="" ma:versionID="a23e56308344d904b51738559c3d67c9">
   <xsd:schema xmlns:xsd="http://www.w3.org/2001/XMLSchema" xmlns:xs="http://www.w3.org/2001/XMLSchema" xmlns:p="http://schemas.microsoft.com/office/2006/metadata/properties" xmlns:ns2="4873beb7-5857-4685-be1f-d57550cc96cc" targetNamespace="http://schemas.microsoft.com/office/2006/metadata/properties" ma:root="true" ma:fieldsID="cd0908cc4600e77bf5da051303e00c8d" ns2:_="">
     <xsd:import namespace="4873beb7-5857-4685-be1f-d57550cc96cc"/>
@@ -18430,155 +18327,10 @@
 </ct:contentTypeSchema>
 </file>
 
-<file path=customXml/item2.xml><?xml version="1.0" encoding="utf-8"?>
-<p:properties xmlns:p="http://schemas.microsoft.com/office/2006/metadata/properties" xmlns:xsi="http://www.w3.org/2001/XMLSchema-instance" xmlns:pc="http://schemas.microsoft.com/office/infopath/2007/PartnerControls">
-  <documentManagement>
-    <APDescription xmlns="4873beb7-5857-4685-be1f-d57550cc96cc" xsi:nil="true"/>
-    <AssetExpire xmlns="4873beb7-5857-4685-be1f-d57550cc96cc">2029-01-01T08:00:00+00:00</AssetExpire>
-    <CampaignTagsTaxHTField0 xmlns="4873beb7-5857-4685-be1f-d57550cc96cc">
-      <Terms xmlns="http://schemas.microsoft.com/office/infopath/2007/PartnerControls"/>
-    </CampaignTagsTaxHTField0>
-    <IntlLangReviewDate xmlns="4873beb7-5857-4685-be1f-d57550cc96cc" xsi:nil="true"/>
-    <TPFriendlyName xmlns="4873beb7-5857-4685-be1f-d57550cc96cc" xsi:nil="true"/>
-    <IntlLangReview xmlns="4873beb7-5857-4685-be1f-d57550cc96cc">false</IntlLangReview>
-    <LocLastLocAttemptVersionLookup xmlns="4873beb7-5857-4685-be1f-d57550cc96cc">855024</LocLastLocAttemptVersionLookup>
-    <PolicheckWords xmlns="4873beb7-5857-4685-be1f-d57550cc96cc" xsi:nil="true"/>
-    <SubmitterId xmlns="4873beb7-5857-4685-be1f-d57550cc96cc" xsi:nil="true"/>
-    <AcquiredFrom xmlns="4873beb7-5857-4685-be1f-d57550cc96cc">Internal MS</AcquiredFrom>
-    <EditorialStatus xmlns="4873beb7-5857-4685-be1f-d57550cc96cc">Complete</EditorialStatus>
-    <Markets xmlns="4873beb7-5857-4685-be1f-d57550cc96cc"/>
-    <OriginAsset xmlns="4873beb7-5857-4685-be1f-d57550cc96cc" xsi:nil="true"/>
-    <AssetStart xmlns="4873beb7-5857-4685-be1f-d57550cc96cc">2012-08-31T08:50:00+00:00</AssetStart>
-    <FriendlyTitle xmlns="4873beb7-5857-4685-be1f-d57550cc96cc" xsi:nil="true"/>
-    <MarketSpecific xmlns="4873beb7-5857-4685-be1f-d57550cc96cc">false</MarketSpecific>
-    <TPNamespace xmlns="4873beb7-5857-4685-be1f-d57550cc96cc" xsi:nil="true"/>
-    <PublishStatusLookup xmlns="4873beb7-5857-4685-be1f-d57550cc96cc">
-      <Value>1616423</Value>
-    </PublishStatusLookup>
-    <APAuthor xmlns="4873beb7-5857-4685-be1f-d57550cc96cc">
-      <UserInfo>
-        <DisplayName>REDMOND\kristaa</DisplayName>
-        <AccountId>136</AccountId>
-        <AccountType/>
-      </UserInfo>
-    </APAuthor>
-    <TPCommandLine xmlns="4873beb7-5857-4685-be1f-d57550cc96cc" xsi:nil="true"/>
-    <IntlLangReviewer xmlns="4873beb7-5857-4685-be1f-d57550cc96cc" xsi:nil="true"/>
-    <OpenTemplate xmlns="4873beb7-5857-4685-be1f-d57550cc96cc">true</OpenTemplate>
-    <CSXSubmissionDate xmlns="4873beb7-5857-4685-be1f-d57550cc96cc" xsi:nil="true"/>
-    <TaxCatchAll xmlns="4873beb7-5857-4685-be1f-d57550cc96cc"/>
-    <Manager xmlns="4873beb7-5857-4685-be1f-d57550cc96cc" xsi:nil="true"/>
-    <NumericId xmlns="4873beb7-5857-4685-be1f-d57550cc96cc" xsi:nil="true"/>
-    <ParentAssetId xmlns="4873beb7-5857-4685-be1f-d57550cc96cc" xsi:nil="true"/>
-    <OriginalSourceMarket xmlns="4873beb7-5857-4685-be1f-d57550cc96cc" xsi:nil="true"/>
-    <ApprovalStatus xmlns="4873beb7-5857-4685-be1f-d57550cc96cc">InProgress</ApprovalStatus>
-    <TPComponent xmlns="4873beb7-5857-4685-be1f-d57550cc96cc" xsi:nil="true"/>
-    <EditorialTags xmlns="4873beb7-5857-4685-be1f-d57550cc96cc" xsi:nil="true"/>
-    <TPExecutable xmlns="4873beb7-5857-4685-be1f-d57550cc96cc" xsi:nil="true"/>
-    <TPLaunchHelpLink xmlns="4873beb7-5857-4685-be1f-d57550cc96cc" xsi:nil="true"/>
-    <LocComments xmlns="4873beb7-5857-4685-be1f-d57550cc96cc" xsi:nil="true"/>
-    <LocRecommendedHandoff xmlns="4873beb7-5857-4685-be1f-d57550cc96cc" xsi:nil="true"/>
-    <SourceTitle xmlns="4873beb7-5857-4685-be1f-d57550cc96cc" xsi:nil="true"/>
-    <CSXUpdate xmlns="4873beb7-5857-4685-be1f-d57550cc96cc">false</CSXUpdate>
-    <IntlLocPriority xmlns="4873beb7-5857-4685-be1f-d57550cc96cc" xsi:nil="true"/>
-    <UAProjectedTotalWords xmlns="4873beb7-5857-4685-be1f-d57550cc96cc" xsi:nil="true"/>
-    <AssetType xmlns="4873beb7-5857-4685-be1f-d57550cc96cc">TP</AssetType>
-    <MachineTranslated xmlns="4873beb7-5857-4685-be1f-d57550cc96cc">false</MachineTranslated>
-    <OutputCachingOn xmlns="4873beb7-5857-4685-be1f-d57550cc96cc">false</OutputCachingOn>
-    <TemplateStatus xmlns="4873beb7-5857-4685-be1f-d57550cc96cc">Complete</TemplateStatus>
-    <IsSearchable xmlns="4873beb7-5857-4685-be1f-d57550cc96cc">true</IsSearchable>
-    <ContentItem xmlns="4873beb7-5857-4685-be1f-d57550cc96cc" xsi:nil="true"/>
-    <HandoffToMSDN xmlns="4873beb7-5857-4685-be1f-d57550cc96cc" xsi:nil="true"/>
-    <ShowIn xmlns="4873beb7-5857-4685-be1f-d57550cc96cc">Show everywhere</ShowIn>
-    <ThumbnailAssetId xmlns="4873beb7-5857-4685-be1f-d57550cc96cc" xsi:nil="true"/>
-    <UALocComments xmlns="4873beb7-5857-4685-be1f-d57550cc96cc" xsi:nil="true"/>
-    <UALocRecommendation xmlns="4873beb7-5857-4685-be1f-d57550cc96cc">Localize</UALocRecommendation>
-    <LastModifiedDateTime xmlns="4873beb7-5857-4685-be1f-d57550cc96cc" xsi:nil="true"/>
-    <LegacyData xmlns="4873beb7-5857-4685-be1f-d57550cc96cc" xsi:nil="true"/>
-    <LocManualTestRequired xmlns="4873beb7-5857-4685-be1f-d57550cc96cc">false</LocManualTestRequired>
-    <LocMarketGroupTiers2 xmlns="4873beb7-5857-4685-be1f-d57550cc96cc" xsi:nil="true"/>
-    <ClipArtFilename xmlns="4873beb7-5857-4685-be1f-d57550cc96cc" xsi:nil="true"/>
-    <TPApplication xmlns="4873beb7-5857-4685-be1f-d57550cc96cc" xsi:nil="true"/>
-    <CSXHash xmlns="4873beb7-5857-4685-be1f-d57550cc96cc" xsi:nil="true"/>
-    <DirectSourceMarket xmlns="4873beb7-5857-4685-be1f-d57550cc96cc" xsi:nil="true"/>
-    <PrimaryImageGen xmlns="4873beb7-5857-4685-be1f-d57550cc96cc">true</PrimaryImageGen>
-    <PlannedPubDate xmlns="4873beb7-5857-4685-be1f-d57550cc96cc" xsi:nil="true"/>
-    <CSXSubmissionMarket xmlns="4873beb7-5857-4685-be1f-d57550cc96cc" xsi:nil="true"/>
-    <Downloads xmlns="4873beb7-5857-4685-be1f-d57550cc96cc">0</Downloads>
-    <ArtSampleDocs xmlns="4873beb7-5857-4685-be1f-d57550cc96cc" xsi:nil="true"/>
-    <TrustLevel xmlns="4873beb7-5857-4685-be1f-d57550cc96cc">1 Microsoft Managed Content</TrustLevel>
-    <BlockPublish xmlns="4873beb7-5857-4685-be1f-d57550cc96cc">false</BlockPublish>
-    <TPLaunchHelpLinkType xmlns="4873beb7-5857-4685-be1f-d57550cc96cc">Template</TPLaunchHelpLinkType>
-    <LocalizationTagsTaxHTField0 xmlns="4873beb7-5857-4685-be1f-d57550cc96cc">
-      <Terms xmlns="http://schemas.microsoft.com/office/infopath/2007/PartnerControls"/>
-    </LocalizationTagsTaxHTField0>
-    <BusinessGroup xmlns="4873beb7-5857-4685-be1f-d57550cc96cc" xsi:nil="true"/>
-    <Providers xmlns="4873beb7-5857-4685-be1f-d57550cc96cc" xsi:nil="true"/>
-    <TemplateTemplateType xmlns="4873beb7-5857-4685-be1f-d57550cc96cc">PowerPoint Presentation Template</TemplateTemplateType>
-    <TimesCloned xmlns="4873beb7-5857-4685-be1f-d57550cc96cc" xsi:nil="true"/>
-    <TPAppVersion xmlns="4873beb7-5857-4685-be1f-d57550cc96cc" xsi:nil="true"/>
-    <VoteCount xmlns="4873beb7-5857-4685-be1f-d57550cc96cc" xsi:nil="true"/>
-    <AverageRating xmlns="4873beb7-5857-4685-be1f-d57550cc96cc" xsi:nil="true"/>
-    <FeatureTagsTaxHTField0 xmlns="4873beb7-5857-4685-be1f-d57550cc96cc">
-      <Terms xmlns="http://schemas.microsoft.com/office/infopath/2007/PartnerControls"/>
-    </FeatureTagsTaxHTField0>
-    <Provider xmlns="4873beb7-5857-4685-be1f-d57550cc96cc" xsi:nil="true"/>
-    <UACurrentWords xmlns="4873beb7-5857-4685-be1f-d57550cc96cc" xsi:nil="true"/>
-    <AssetId xmlns="4873beb7-5857-4685-be1f-d57550cc96cc">TP103431361</AssetId>
-    <TPClientViewer xmlns="4873beb7-5857-4685-be1f-d57550cc96cc" xsi:nil="true"/>
-    <DSATActionTaken xmlns="4873beb7-5857-4685-be1f-d57550cc96cc" xsi:nil="true"/>
-    <APEditor xmlns="4873beb7-5857-4685-be1f-d57550cc96cc">
-      <UserInfo>
-        <DisplayName/>
-        <AccountId xsi:nil="true"/>
-        <AccountType/>
-      </UserInfo>
-    </APEditor>
-    <TPInstallLocation xmlns="4873beb7-5857-4685-be1f-d57550cc96cc" xsi:nil="true"/>
-    <OOCacheId xmlns="4873beb7-5857-4685-be1f-d57550cc96cc" xsi:nil="true"/>
-    <IsDeleted xmlns="4873beb7-5857-4685-be1f-d57550cc96cc">false</IsDeleted>
-    <PublishTargets xmlns="4873beb7-5857-4685-be1f-d57550cc96cc">OfficeOnlineVNext</PublishTargets>
-    <ApprovalLog xmlns="4873beb7-5857-4685-be1f-d57550cc96cc" xsi:nil="true"/>
-    <BugNumber xmlns="4873beb7-5857-4685-be1f-d57550cc96cc" xsi:nil="true"/>
-    <CrawlForDependencies xmlns="4873beb7-5857-4685-be1f-d57550cc96cc">false</CrawlForDependencies>
-    <InternalTagsTaxHTField0 xmlns="4873beb7-5857-4685-be1f-d57550cc96cc">
-      <Terms xmlns="http://schemas.microsoft.com/office/infopath/2007/PartnerControls"/>
-    </InternalTagsTaxHTField0>
-    <LastHandOff xmlns="4873beb7-5857-4685-be1f-d57550cc96cc" xsi:nil="true"/>
-    <Milestone xmlns="4873beb7-5857-4685-be1f-d57550cc96cc" xsi:nil="true"/>
-    <OriginalRelease xmlns="4873beb7-5857-4685-be1f-d57550cc96cc">15</OriginalRelease>
-    <RecommendationsModifier xmlns="4873beb7-5857-4685-be1f-d57550cc96cc" xsi:nil="true"/>
-    <ScenarioTagsTaxHTField0 xmlns="4873beb7-5857-4685-be1f-d57550cc96cc">
-      <Terms xmlns="http://schemas.microsoft.com/office/infopath/2007/PartnerControls"/>
-    </ScenarioTagsTaxHTField0>
-    <UANotes xmlns="4873beb7-5857-4685-be1f-d57550cc96cc" xsi:nil="true"/>
-  </documentManagement>
-</p:properties>
-</file>
-
-<file path=customXml/item3.xml><?xml version="1.0" encoding="utf-8"?>
-<?mso-contentType ?>
-<FormTemplates xmlns="http://schemas.microsoft.com/sharepoint/v3/contenttype/forms">
-  <Display>DocumentLibraryForm</Display>
-  <Edit>AssetEditForm</Edit>
-  <New>DocumentLibraryForm</New>
-</FormTemplates>
-</file>
-
 <file path=customXml/itemProps1.xml><?xml version="1.0" encoding="utf-8"?>
-<ds:datastoreItem xmlns:ds="http://schemas.openxmlformats.org/officeDocument/2006/customXml" ds:itemID="{28C8B9CA-0273-4370-889A-FC05DA5C2FA5}">
+<ds:datastoreItem xmlns:ds="http://schemas.openxmlformats.org/officeDocument/2006/customXml" ds:itemID="{561E720F-F05D-4536-9C34-0CFCED65D3B7}">
   <ds:schemaRefs>
-    <ds:schemaRef ds:uri="http://schemas.microsoft.com/office/2006/metadata/contentType"/>
-    <ds:schemaRef ds:uri="http://schemas.microsoft.com/office/2006/metadata/properties/metaAttributes"/>
-    <ds:schemaRef ds:uri="http://www.w3.org/2001/XMLSchema"/>
-    <ds:schemaRef ds:uri="http://schemas.microsoft.com/office/2006/metadata/properties"/>
-    <ds:schemaRef ds:uri="4873beb7-5857-4685-be1f-d57550cc96cc"/>
-    <ds:schemaRef ds:uri="http://schemas.microsoft.com/office/2006/documentManagement/types"/>
-    <ds:schemaRef ds:uri="http://schemas.microsoft.com/office/infopath/2007/PartnerControls"/>
-    <ds:schemaRef ds:uri="http://schemas.openxmlformats.org/package/2006/metadata/core-properties"/>
-    <ds:schemaRef ds:uri="http://purl.org/dc/elements/1.1/"/>
-    <ds:schemaRef ds:uri="http://purl.org/dc/terms/"/>
-    <ds:schemaRef ds:uri="http://schemas.microsoft.com/internal/obd"/>
+    <ds:schemaRef ds:uri="http://schemas.microsoft.com/sharepoint/v3/contenttype/forms"/>
   </ds:schemaRefs>
 </ds:datastoreItem>
 </file>
@@ -18600,9 +18352,19 @@
 </file>
 
 <file path=customXml/itemProps3.xml><?xml version="1.0" encoding="utf-8"?>
-<ds:datastoreItem xmlns:ds="http://schemas.openxmlformats.org/officeDocument/2006/customXml" ds:itemID="{561E720F-F05D-4536-9C34-0CFCED65D3B7}">
+<ds:datastoreItem xmlns:ds="http://schemas.openxmlformats.org/officeDocument/2006/customXml" ds:itemID="{28C8B9CA-0273-4370-889A-FC05DA5C2FA5}">
   <ds:schemaRefs>
-    <ds:schemaRef ds:uri="http://schemas.microsoft.com/sharepoint/v3/contenttype/forms"/>
+    <ds:schemaRef ds:uri="http://schemas.microsoft.com/office/2006/metadata/contentType"/>
+    <ds:schemaRef ds:uri="http://schemas.microsoft.com/office/2006/metadata/properties/metaAttributes"/>
+    <ds:schemaRef ds:uri="http://www.w3.org/2001/XMLSchema"/>
+    <ds:schemaRef ds:uri="http://schemas.microsoft.com/office/2006/metadata/properties"/>
+    <ds:schemaRef ds:uri="4873beb7-5857-4685-be1f-d57550cc96cc"/>
+    <ds:schemaRef ds:uri="http://schemas.microsoft.com/office/2006/documentManagement/types"/>
+    <ds:schemaRef ds:uri="http://schemas.microsoft.com/office/infopath/2007/PartnerControls"/>
+    <ds:schemaRef ds:uri="http://schemas.openxmlformats.org/package/2006/metadata/core-properties"/>
+    <ds:schemaRef ds:uri="http://purl.org/dc/elements/1.1/"/>
+    <ds:schemaRef ds:uri="http://purl.org/dc/terms/"/>
+    <ds:schemaRef ds:uri="http://schemas.microsoft.com/internal/obd"/>
   </ds:schemaRefs>
 </ds:datastoreItem>
 </file>